--- a/curriculum/Unit7/Unit 7 Slides.pptx
+++ b/curriculum/Unit7/Unit 7 Slides.pptx
@@ -2,20 +2,20 @@
 <file path=ppt/presentation.xml><?xml version="1.0" encoding="utf-8"?>
 <p:presentation xmlns:a="http://schemas.openxmlformats.org/drawingml/2006/main" xmlns:r="http://schemas.openxmlformats.org/officeDocument/2006/relationships" xmlns:p="http://schemas.openxmlformats.org/presentationml/2006/main" saveSubsetFonts="1" autoCompressPictures="0">
   <p:sldMasterIdLst>
-    <p:sldMasterId id="2147483648" r:id="rId1"/>
+    <p:sldMasterId id="2147483648" r:id="rId4"/>
   </p:sldMasterIdLst>
   <p:notesMasterIdLst>
-    <p:notesMasterId r:id="rId7"/>
+    <p:notesMasterId r:id="rId10"/>
   </p:notesMasterIdLst>
   <p:handoutMasterIdLst>
-    <p:handoutMasterId r:id="rId8"/>
+    <p:handoutMasterId r:id="rId11"/>
   </p:handoutMasterIdLst>
   <p:sldIdLst>
-    <p:sldId id="271" r:id="rId2"/>
-    <p:sldId id="282" r:id="rId3"/>
-    <p:sldId id="278" r:id="rId4"/>
-    <p:sldId id="279" r:id="rId5"/>
-    <p:sldId id="281" r:id="rId6"/>
+    <p:sldId id="271" r:id="rId5"/>
+    <p:sldId id="282" r:id="rId6"/>
+    <p:sldId id="278" r:id="rId7"/>
+    <p:sldId id="279" r:id="rId8"/>
+    <p:sldId id="281" r:id="rId9"/>
   </p:sldIdLst>
   <p:sldSz cx="9144000" cy="6858000" type="screen4x3"/>
   <p:notesSz cx="6858000" cy="9144000"/>
@@ -114,6 +114,22 @@
       </a:defRPr>
     </a:lvl9pPr>
   </p:defaultTextStyle>
+  <p:extLst>
+    <p:ext uri="{EFAFB233-063F-42B5-8137-9DF3F51BA10A}">
+      <p15:sldGuideLst xmlns:p15="http://schemas.microsoft.com/office/powerpoint/2012/main">
+        <p15:guide id="1" orient="horz" pos="2160">
+          <p15:clr>
+            <a:srgbClr val="A4A3A4"/>
+          </p15:clr>
+        </p15:guide>
+        <p15:guide id="2" pos="2880">
+          <p15:clr>
+            <a:srgbClr val="A4A3A4"/>
+          </p15:clr>
+        </p15:guide>
+      </p15:sldGuideLst>
+    </p:ext>
+  </p:extLst>
 </p:presentation>
 </file>
 
@@ -199,7 +215,7 @@
           <a:p>
             <a:fld id="{6D0754E3-E03E-ED44-9A59-706283C2F2CC}" type="datetimeFigureOut">
               <a:rPr lang="en-US" smtClean="0"/>
-              <a:t>6/23/15</a:t>
+              <a:t>2/18/2020</a:t>
             </a:fld>
             <a:endParaRPr lang="en-US"/>
           </a:p>
@@ -365,7 +381,7 @@
           <a:p>
             <a:fld id="{44996FB4-6AD2-FE4B-B45E-D44A9C110DAF}" type="datetimeFigureOut">
               <a:rPr lang="en-US" smtClean="0"/>
-              <a:t>6/23/15</a:t>
+              <a:t>2/18/2020</a:t>
             </a:fld>
             <a:endParaRPr lang="en-US"/>
           </a:p>
@@ -429,38 +445,37 @@
           <a:p>
             <a:pPr lvl="0"/>
             <a:r>
-              <a:rPr lang="en-US" smtClean="0"/>
+              <a:rPr lang="en-US"/>
               <a:t>Click to edit Master text styles</a:t>
             </a:r>
           </a:p>
           <a:p>
             <a:pPr lvl="1"/>
             <a:r>
-              <a:rPr lang="en-US" smtClean="0"/>
+              <a:rPr lang="en-US"/>
               <a:t>Second level</a:t>
             </a:r>
           </a:p>
           <a:p>
             <a:pPr lvl="2"/>
             <a:r>
-              <a:rPr lang="en-US" smtClean="0"/>
+              <a:rPr lang="en-US"/>
               <a:t>Third level</a:t>
             </a:r>
           </a:p>
           <a:p>
             <a:pPr lvl="3"/>
             <a:r>
-              <a:rPr lang="en-US" smtClean="0"/>
+              <a:rPr lang="en-US"/>
               <a:t>Fourth level</a:t>
             </a:r>
           </a:p>
           <a:p>
             <a:pPr lvl="4"/>
             <a:r>
-              <a:rPr lang="en-US" smtClean="0"/>
+              <a:rPr lang="en-US"/>
               <a:t>Fifth level</a:t>
             </a:r>
-            <a:endParaRPr lang="en-US"/>
           </a:p>
         </p:txBody>
       </p:sp>
@@ -672,10 +687,9 @@
           <a:lstStyle/>
           <a:p>
             <a:r>
-              <a:rPr lang="en-US" smtClean="0"/>
+              <a:rPr lang="en-US"/>
               <a:t>Click to edit Master title style</a:t>
             </a:r>
-            <a:endParaRPr lang="en-US"/>
           </a:p>
         </p:txBody>
       </p:sp>
@@ -791,10 +805,9 @@
           </a:lstStyle>
           <a:p>
             <a:r>
-              <a:rPr lang="en-US" smtClean="0"/>
+              <a:rPr lang="en-US"/>
               <a:t>Click to edit Master subtitle style</a:t>
             </a:r>
-            <a:endParaRPr lang="en-US"/>
           </a:p>
         </p:txBody>
       </p:sp>
@@ -815,7 +828,7 @@
           <a:p>
             <a:fld id="{34990CC2-A8CC-B149-BA8F-DDB0E524EE45}" type="datetime1">
               <a:rPr lang="en-US" smtClean="0"/>
-              <a:t>6/23/15</a:t>
+              <a:t>2/18/2020</a:t>
             </a:fld>
             <a:endParaRPr lang="en-US"/>
           </a:p>
@@ -837,10 +850,9 @@
           <a:lstStyle/>
           <a:p>
             <a:r>
-              <a:rPr lang="en-US" smtClean="0"/>
+              <a:rPr lang="en-US"/>
               <a:t>Developed by TEALS in 2015  www.tealsk12.org</a:t>
             </a:r>
-            <a:endParaRPr lang="en-US"/>
           </a:p>
         </p:txBody>
       </p:sp>
@@ -913,10 +925,9 @@
           <a:lstStyle/>
           <a:p>
             <a:r>
-              <a:rPr lang="en-US" smtClean="0"/>
+              <a:rPr lang="en-US"/>
               <a:t>Click to edit Master title style</a:t>
             </a:r>
-            <a:endParaRPr lang="en-US"/>
           </a:p>
         </p:txBody>
       </p:sp>
@@ -937,38 +948,37 @@
           <a:p>
             <a:pPr lvl="0"/>
             <a:r>
-              <a:rPr lang="en-US" smtClean="0"/>
+              <a:rPr lang="en-US"/>
               <a:t>Click to edit Master text styles</a:t>
             </a:r>
           </a:p>
           <a:p>
             <a:pPr lvl="1"/>
             <a:r>
-              <a:rPr lang="en-US" smtClean="0"/>
+              <a:rPr lang="en-US"/>
               <a:t>Second level</a:t>
             </a:r>
           </a:p>
           <a:p>
             <a:pPr lvl="2"/>
             <a:r>
-              <a:rPr lang="en-US" smtClean="0"/>
+              <a:rPr lang="en-US"/>
               <a:t>Third level</a:t>
             </a:r>
           </a:p>
           <a:p>
             <a:pPr lvl="3"/>
             <a:r>
-              <a:rPr lang="en-US" smtClean="0"/>
+              <a:rPr lang="en-US"/>
               <a:t>Fourth level</a:t>
             </a:r>
           </a:p>
           <a:p>
             <a:pPr lvl="4"/>
             <a:r>
-              <a:rPr lang="en-US" smtClean="0"/>
+              <a:rPr lang="en-US"/>
               <a:t>Fifth level</a:t>
             </a:r>
-            <a:endParaRPr lang="en-US"/>
           </a:p>
         </p:txBody>
       </p:sp>
@@ -989,7 +999,7 @@
           <a:p>
             <a:fld id="{96267D05-F6C2-F64A-9C7F-A94B43164B5C}" type="datetime1">
               <a:rPr lang="en-US" smtClean="0"/>
-              <a:t>6/23/15</a:t>
+              <a:t>2/18/2020</a:t>
             </a:fld>
             <a:endParaRPr lang="en-US"/>
           </a:p>
@@ -1011,10 +1021,9 @@
           <a:lstStyle/>
           <a:p>
             <a:r>
-              <a:rPr lang="en-US" smtClean="0"/>
+              <a:rPr lang="en-US"/>
               <a:t>Developed by TEALS in 2015  www.tealsk12.org</a:t>
             </a:r>
-            <a:endParaRPr lang="en-US"/>
           </a:p>
         </p:txBody>
       </p:sp>
@@ -1092,10 +1101,9 @@
           <a:lstStyle/>
           <a:p>
             <a:r>
-              <a:rPr lang="en-US" smtClean="0"/>
+              <a:rPr lang="en-US"/>
               <a:t>Click to edit Master title style</a:t>
             </a:r>
-            <a:endParaRPr lang="en-US"/>
           </a:p>
         </p:txBody>
       </p:sp>
@@ -1121,38 +1129,37 @@
           <a:p>
             <a:pPr lvl="0"/>
             <a:r>
-              <a:rPr lang="en-US" smtClean="0"/>
+              <a:rPr lang="en-US"/>
               <a:t>Click to edit Master text styles</a:t>
             </a:r>
           </a:p>
           <a:p>
             <a:pPr lvl="1"/>
             <a:r>
-              <a:rPr lang="en-US" smtClean="0"/>
+              <a:rPr lang="en-US"/>
               <a:t>Second level</a:t>
             </a:r>
           </a:p>
           <a:p>
             <a:pPr lvl="2"/>
             <a:r>
-              <a:rPr lang="en-US" smtClean="0"/>
+              <a:rPr lang="en-US"/>
               <a:t>Third level</a:t>
             </a:r>
           </a:p>
           <a:p>
             <a:pPr lvl="3"/>
             <a:r>
-              <a:rPr lang="en-US" smtClean="0"/>
+              <a:rPr lang="en-US"/>
               <a:t>Fourth level</a:t>
             </a:r>
           </a:p>
           <a:p>
             <a:pPr lvl="4"/>
             <a:r>
-              <a:rPr lang="en-US" smtClean="0"/>
+              <a:rPr lang="en-US"/>
               <a:t>Fifth level</a:t>
             </a:r>
-            <a:endParaRPr lang="en-US"/>
           </a:p>
         </p:txBody>
       </p:sp>
@@ -1173,7 +1180,7 @@
           <a:p>
             <a:fld id="{087C1978-9D0A-A345-9E84-F995A3601C8E}" type="datetime1">
               <a:rPr lang="en-US" smtClean="0"/>
-              <a:t>6/23/15</a:t>
+              <a:t>2/18/2020</a:t>
             </a:fld>
             <a:endParaRPr lang="en-US"/>
           </a:p>
@@ -1195,10 +1202,9 @@
           <a:lstStyle/>
           <a:p>
             <a:r>
-              <a:rPr lang="en-US" smtClean="0"/>
+              <a:rPr lang="en-US"/>
               <a:t>Developed by TEALS in 2015  www.tealsk12.org</a:t>
             </a:r>
-            <a:endParaRPr lang="en-US"/>
           </a:p>
         </p:txBody>
       </p:sp>
@@ -1271,10 +1277,9 @@
           <a:lstStyle/>
           <a:p>
             <a:r>
-              <a:rPr lang="en-US" smtClean="0"/>
+              <a:rPr lang="en-US"/>
               <a:t>Click to edit Master title style</a:t>
             </a:r>
-            <a:endParaRPr lang="en-US"/>
           </a:p>
         </p:txBody>
       </p:sp>
@@ -1295,38 +1300,37 @@
           <a:p>
             <a:pPr lvl="0"/>
             <a:r>
-              <a:rPr lang="en-US" smtClean="0"/>
+              <a:rPr lang="en-US"/>
               <a:t>Click to edit Master text styles</a:t>
             </a:r>
           </a:p>
           <a:p>
             <a:pPr lvl="1"/>
             <a:r>
-              <a:rPr lang="en-US" smtClean="0"/>
+              <a:rPr lang="en-US"/>
               <a:t>Second level</a:t>
             </a:r>
           </a:p>
           <a:p>
             <a:pPr lvl="2"/>
             <a:r>
-              <a:rPr lang="en-US" smtClean="0"/>
+              <a:rPr lang="en-US"/>
               <a:t>Third level</a:t>
             </a:r>
           </a:p>
           <a:p>
             <a:pPr lvl="3"/>
             <a:r>
-              <a:rPr lang="en-US" smtClean="0"/>
+              <a:rPr lang="en-US"/>
               <a:t>Fourth level</a:t>
             </a:r>
           </a:p>
           <a:p>
             <a:pPr lvl="4"/>
             <a:r>
-              <a:rPr lang="en-US" smtClean="0"/>
+              <a:rPr lang="en-US"/>
               <a:t>Fifth level</a:t>
             </a:r>
-            <a:endParaRPr lang="en-US"/>
           </a:p>
         </p:txBody>
       </p:sp>
@@ -1347,7 +1351,7 @@
           <a:p>
             <a:fld id="{620CD570-9DDA-524E-9F58-9DBC8D3A8C31}" type="datetime1">
               <a:rPr lang="en-US" smtClean="0"/>
-              <a:t>6/23/15</a:t>
+              <a:t>2/18/2020</a:t>
             </a:fld>
             <a:endParaRPr lang="en-US"/>
           </a:p>
@@ -1369,10 +1373,9 @@
           <a:lstStyle/>
           <a:p>
             <a:r>
-              <a:rPr lang="en-US" smtClean="0"/>
+              <a:rPr lang="en-US"/>
               <a:t>Developed by TEALS in 2015  www.tealsk12.org</a:t>
             </a:r>
-            <a:endParaRPr lang="en-US"/>
           </a:p>
         </p:txBody>
       </p:sp>
@@ -1454,10 +1457,9 @@
           </a:lstStyle>
           <a:p>
             <a:r>
-              <a:rPr lang="en-US" smtClean="0"/>
+              <a:rPr lang="en-US"/>
               <a:t>Click to edit Master title style</a:t>
             </a:r>
-            <a:endParaRPr lang="en-US"/>
           </a:p>
         </p:txBody>
       </p:sp>
@@ -1574,7 +1576,7 @@
           <a:p>
             <a:pPr lvl="0"/>
             <a:r>
-              <a:rPr lang="en-US" smtClean="0"/>
+              <a:rPr lang="en-US"/>
               <a:t>Click to edit Master text styles</a:t>
             </a:r>
           </a:p>
@@ -1597,7 +1599,7 @@
           <a:p>
             <a:fld id="{FEBAD56B-400E-5542-B4A1-CD46AB8B4D0E}" type="datetime1">
               <a:rPr lang="en-US" smtClean="0"/>
-              <a:t>6/23/15</a:t>
+              <a:t>2/18/2020</a:t>
             </a:fld>
             <a:endParaRPr lang="en-US"/>
           </a:p>
@@ -1619,10 +1621,9 @@
           <a:lstStyle/>
           <a:p>
             <a:r>
-              <a:rPr lang="en-US" smtClean="0"/>
+              <a:rPr lang="en-US"/>
               <a:t>Developed by TEALS in 2015  www.tealsk12.org</a:t>
             </a:r>
-            <a:endParaRPr lang="en-US"/>
           </a:p>
         </p:txBody>
       </p:sp>
@@ -1695,10 +1696,9 @@
           <a:lstStyle/>
           <a:p>
             <a:r>
-              <a:rPr lang="en-US" smtClean="0"/>
+              <a:rPr lang="en-US"/>
               <a:t>Click to edit Master title style</a:t>
             </a:r>
-            <a:endParaRPr lang="en-US"/>
           </a:p>
         </p:txBody>
       </p:sp>
@@ -1752,38 +1752,37 @@
           <a:p>
             <a:pPr lvl="0"/>
             <a:r>
-              <a:rPr lang="en-US" smtClean="0"/>
+              <a:rPr lang="en-US"/>
               <a:t>Click to edit Master text styles</a:t>
             </a:r>
           </a:p>
           <a:p>
             <a:pPr lvl="1"/>
             <a:r>
-              <a:rPr lang="en-US" smtClean="0"/>
+              <a:rPr lang="en-US"/>
               <a:t>Second level</a:t>
             </a:r>
           </a:p>
           <a:p>
             <a:pPr lvl="2"/>
             <a:r>
-              <a:rPr lang="en-US" smtClean="0"/>
+              <a:rPr lang="en-US"/>
               <a:t>Third level</a:t>
             </a:r>
           </a:p>
           <a:p>
             <a:pPr lvl="3"/>
             <a:r>
-              <a:rPr lang="en-US" smtClean="0"/>
+              <a:rPr lang="en-US"/>
               <a:t>Fourth level</a:t>
             </a:r>
           </a:p>
           <a:p>
             <a:pPr lvl="4"/>
             <a:r>
-              <a:rPr lang="en-US" smtClean="0"/>
+              <a:rPr lang="en-US"/>
               <a:t>Fifth level</a:t>
             </a:r>
-            <a:endParaRPr lang="en-US"/>
           </a:p>
         </p:txBody>
       </p:sp>
@@ -1837,38 +1836,37 @@
           <a:p>
             <a:pPr lvl="0"/>
             <a:r>
-              <a:rPr lang="en-US" smtClean="0"/>
+              <a:rPr lang="en-US"/>
               <a:t>Click to edit Master text styles</a:t>
             </a:r>
           </a:p>
           <a:p>
             <a:pPr lvl="1"/>
             <a:r>
-              <a:rPr lang="en-US" smtClean="0"/>
+              <a:rPr lang="en-US"/>
               <a:t>Second level</a:t>
             </a:r>
           </a:p>
           <a:p>
             <a:pPr lvl="2"/>
             <a:r>
-              <a:rPr lang="en-US" smtClean="0"/>
+              <a:rPr lang="en-US"/>
               <a:t>Third level</a:t>
             </a:r>
           </a:p>
           <a:p>
             <a:pPr lvl="3"/>
             <a:r>
-              <a:rPr lang="en-US" smtClean="0"/>
+              <a:rPr lang="en-US"/>
               <a:t>Fourth level</a:t>
             </a:r>
           </a:p>
           <a:p>
             <a:pPr lvl="4"/>
             <a:r>
-              <a:rPr lang="en-US" smtClean="0"/>
+              <a:rPr lang="en-US"/>
               <a:t>Fifth level</a:t>
             </a:r>
-            <a:endParaRPr lang="en-US"/>
           </a:p>
         </p:txBody>
       </p:sp>
@@ -1889,7 +1887,7 @@
           <a:p>
             <a:fld id="{43394E63-B418-1F4A-9C08-2548B9C5B3C1}" type="datetime1">
               <a:rPr lang="en-US" smtClean="0"/>
-              <a:t>6/23/15</a:t>
+              <a:t>2/18/2020</a:t>
             </a:fld>
             <a:endParaRPr lang="en-US"/>
           </a:p>
@@ -1911,10 +1909,9 @@
           <a:lstStyle/>
           <a:p>
             <a:r>
-              <a:rPr lang="en-US" smtClean="0"/>
+              <a:rPr lang="en-US"/>
               <a:t>Developed by TEALS in 2015  www.tealsk12.org</a:t>
             </a:r>
-            <a:endParaRPr lang="en-US"/>
           </a:p>
         </p:txBody>
       </p:sp>
@@ -1991,10 +1988,9 @@
           </a:lstStyle>
           <a:p>
             <a:r>
-              <a:rPr lang="en-US" smtClean="0"/>
+              <a:rPr lang="en-US"/>
               <a:t>Click to edit Master title style</a:t>
             </a:r>
-            <a:endParaRPr lang="en-US"/>
           </a:p>
         </p:txBody>
       </p:sp>
@@ -2057,7 +2053,7 @@
           <a:p>
             <a:pPr lvl="0"/>
             <a:r>
-              <a:rPr lang="en-US" smtClean="0"/>
+              <a:rPr lang="en-US"/>
               <a:t>Click to edit Master text styles</a:t>
             </a:r>
           </a:p>
@@ -2113,38 +2109,37 @@
           <a:p>
             <a:pPr lvl="0"/>
             <a:r>
-              <a:rPr lang="en-US" smtClean="0"/>
+              <a:rPr lang="en-US"/>
               <a:t>Click to edit Master text styles</a:t>
             </a:r>
           </a:p>
           <a:p>
             <a:pPr lvl="1"/>
             <a:r>
-              <a:rPr lang="en-US" smtClean="0"/>
+              <a:rPr lang="en-US"/>
               <a:t>Second level</a:t>
             </a:r>
           </a:p>
           <a:p>
             <a:pPr lvl="2"/>
             <a:r>
-              <a:rPr lang="en-US" smtClean="0"/>
+              <a:rPr lang="en-US"/>
               <a:t>Third level</a:t>
             </a:r>
           </a:p>
           <a:p>
             <a:pPr lvl="3"/>
             <a:r>
-              <a:rPr lang="en-US" smtClean="0"/>
+              <a:rPr lang="en-US"/>
               <a:t>Fourth level</a:t>
             </a:r>
           </a:p>
           <a:p>
             <a:pPr lvl="4"/>
             <a:r>
-              <a:rPr lang="en-US" smtClean="0"/>
+              <a:rPr lang="en-US"/>
               <a:t>Fifth level</a:t>
             </a:r>
-            <a:endParaRPr lang="en-US"/>
           </a:p>
         </p:txBody>
       </p:sp>
@@ -2207,7 +2202,7 @@
           <a:p>
             <a:pPr lvl="0"/>
             <a:r>
-              <a:rPr lang="en-US" smtClean="0"/>
+              <a:rPr lang="en-US"/>
               <a:t>Click to edit Master text styles</a:t>
             </a:r>
           </a:p>
@@ -2263,38 +2258,37 @@
           <a:p>
             <a:pPr lvl="0"/>
             <a:r>
-              <a:rPr lang="en-US" smtClean="0"/>
+              <a:rPr lang="en-US"/>
               <a:t>Click to edit Master text styles</a:t>
             </a:r>
           </a:p>
           <a:p>
             <a:pPr lvl="1"/>
             <a:r>
-              <a:rPr lang="en-US" smtClean="0"/>
+              <a:rPr lang="en-US"/>
               <a:t>Second level</a:t>
             </a:r>
           </a:p>
           <a:p>
             <a:pPr lvl="2"/>
             <a:r>
-              <a:rPr lang="en-US" smtClean="0"/>
+              <a:rPr lang="en-US"/>
               <a:t>Third level</a:t>
             </a:r>
           </a:p>
           <a:p>
             <a:pPr lvl="3"/>
             <a:r>
-              <a:rPr lang="en-US" smtClean="0"/>
+              <a:rPr lang="en-US"/>
               <a:t>Fourth level</a:t>
             </a:r>
           </a:p>
           <a:p>
             <a:pPr lvl="4"/>
             <a:r>
-              <a:rPr lang="en-US" smtClean="0"/>
+              <a:rPr lang="en-US"/>
               <a:t>Fifth level</a:t>
             </a:r>
-            <a:endParaRPr lang="en-US"/>
           </a:p>
         </p:txBody>
       </p:sp>
@@ -2315,7 +2309,7 @@
           <a:p>
             <a:fld id="{6F92EF41-DD41-C742-BC3B-970F41658B68}" type="datetime1">
               <a:rPr lang="en-US" smtClean="0"/>
-              <a:t>6/23/15</a:t>
+              <a:t>2/18/2020</a:t>
             </a:fld>
             <a:endParaRPr lang="en-US"/>
           </a:p>
@@ -2337,10 +2331,9 @@
           <a:lstStyle/>
           <a:p>
             <a:r>
-              <a:rPr lang="en-US" smtClean="0"/>
+              <a:rPr lang="en-US"/>
               <a:t>Developed by TEALS in 2015  www.tealsk12.org</a:t>
             </a:r>
-            <a:endParaRPr lang="en-US"/>
           </a:p>
         </p:txBody>
       </p:sp>
@@ -2413,10 +2406,9 @@
           <a:lstStyle/>
           <a:p>
             <a:r>
-              <a:rPr lang="en-US" smtClean="0"/>
+              <a:rPr lang="en-US"/>
               <a:t>Click to edit Master title style</a:t>
             </a:r>
-            <a:endParaRPr lang="en-US"/>
           </a:p>
         </p:txBody>
       </p:sp>
@@ -2437,7 +2429,7 @@
           <a:p>
             <a:fld id="{631009B9-6DC3-0349-8BB5-CE1E5B2C68D1}" type="datetime1">
               <a:rPr lang="en-US" smtClean="0"/>
-              <a:t>6/23/15</a:t>
+              <a:t>2/18/2020</a:t>
             </a:fld>
             <a:endParaRPr lang="en-US"/>
           </a:p>
@@ -2459,10 +2451,9 @@
           <a:lstStyle/>
           <a:p>
             <a:r>
-              <a:rPr lang="en-US" smtClean="0"/>
+              <a:rPr lang="en-US"/>
               <a:t>Developed by TEALS in 2015  www.tealsk12.org</a:t>
             </a:r>
-            <a:endParaRPr lang="en-US"/>
           </a:p>
         </p:txBody>
       </p:sp>
@@ -2536,7 +2527,7 @@
           <a:p>
             <a:fld id="{DBD68779-2025-B44F-AD23-DF62F9874F1B}" type="datetime1">
               <a:rPr lang="en-US" smtClean="0"/>
-              <a:t>6/23/15</a:t>
+              <a:t>2/18/2020</a:t>
             </a:fld>
             <a:endParaRPr lang="en-US"/>
           </a:p>
@@ -2558,10 +2549,9 @@
           <a:lstStyle/>
           <a:p>
             <a:r>
-              <a:rPr lang="en-US" smtClean="0"/>
+              <a:rPr lang="en-US"/>
               <a:t>Developed by TEALS in 2015  www.tealsk12.org</a:t>
             </a:r>
-            <a:endParaRPr lang="en-US"/>
           </a:p>
         </p:txBody>
       </p:sp>
@@ -2643,10 +2633,9 @@
           </a:lstStyle>
           <a:p>
             <a:r>
-              <a:rPr lang="en-US" smtClean="0"/>
+              <a:rPr lang="en-US"/>
               <a:t>Click to edit Master title style</a:t>
             </a:r>
-            <a:endParaRPr lang="en-US"/>
           </a:p>
         </p:txBody>
       </p:sp>
@@ -2700,38 +2689,37 @@
           <a:p>
             <a:pPr lvl="0"/>
             <a:r>
-              <a:rPr lang="en-US" smtClean="0"/>
+              <a:rPr lang="en-US"/>
               <a:t>Click to edit Master text styles</a:t>
             </a:r>
           </a:p>
           <a:p>
             <a:pPr lvl="1"/>
             <a:r>
-              <a:rPr lang="en-US" smtClean="0"/>
+              <a:rPr lang="en-US"/>
               <a:t>Second level</a:t>
             </a:r>
           </a:p>
           <a:p>
             <a:pPr lvl="2"/>
             <a:r>
-              <a:rPr lang="en-US" smtClean="0"/>
+              <a:rPr lang="en-US"/>
               <a:t>Third level</a:t>
             </a:r>
           </a:p>
           <a:p>
             <a:pPr lvl="3"/>
             <a:r>
-              <a:rPr lang="en-US" smtClean="0"/>
+              <a:rPr lang="en-US"/>
               <a:t>Fourth level</a:t>
             </a:r>
           </a:p>
           <a:p>
             <a:pPr lvl="4"/>
             <a:r>
-              <a:rPr lang="en-US" smtClean="0"/>
+              <a:rPr lang="en-US"/>
               <a:t>Fifth level</a:t>
             </a:r>
-            <a:endParaRPr lang="en-US"/>
           </a:p>
         </p:txBody>
       </p:sp>
@@ -2794,7 +2782,7 @@
           <a:p>
             <a:pPr lvl="0"/>
             <a:r>
-              <a:rPr lang="en-US" smtClean="0"/>
+              <a:rPr lang="en-US"/>
               <a:t>Click to edit Master text styles</a:t>
             </a:r>
           </a:p>
@@ -2817,7 +2805,7 @@
           <a:p>
             <a:fld id="{1C533E1B-B859-DB4E-86F0-BE8C9C0ABFF7}" type="datetime1">
               <a:rPr lang="en-US" smtClean="0"/>
-              <a:t>6/23/15</a:t>
+              <a:t>2/18/2020</a:t>
             </a:fld>
             <a:endParaRPr lang="en-US"/>
           </a:p>
@@ -2839,10 +2827,9 @@
           <a:lstStyle/>
           <a:p>
             <a:r>
-              <a:rPr lang="en-US" smtClean="0"/>
+              <a:rPr lang="en-US"/>
               <a:t>Developed by TEALS in 2015  www.tealsk12.org</a:t>
             </a:r>
-            <a:endParaRPr lang="en-US"/>
           </a:p>
         </p:txBody>
       </p:sp>
@@ -2924,10 +2911,9 @@
           </a:lstStyle>
           <a:p>
             <a:r>
-              <a:rPr lang="en-US" smtClean="0"/>
+              <a:rPr lang="en-US"/>
               <a:t>Click to edit Master title style</a:t>
             </a:r>
-            <a:endParaRPr lang="en-US"/>
           </a:p>
         </p:txBody>
       </p:sp>
@@ -3051,7 +3037,7 @@
           <a:p>
             <a:pPr lvl="0"/>
             <a:r>
-              <a:rPr lang="en-US" smtClean="0"/>
+              <a:rPr lang="en-US"/>
               <a:t>Click to edit Master text styles</a:t>
             </a:r>
           </a:p>
@@ -3074,7 +3060,7 @@
           <a:p>
             <a:fld id="{AC1EAEA1-8470-6B4A-8D60-97578450ABB9}" type="datetime1">
               <a:rPr lang="en-US" smtClean="0"/>
-              <a:t>6/23/15</a:t>
+              <a:t>2/18/2020</a:t>
             </a:fld>
             <a:endParaRPr lang="en-US"/>
           </a:p>
@@ -3096,10 +3082,9 @@
           <a:lstStyle/>
           <a:p>
             <a:r>
-              <a:rPr lang="en-US" smtClean="0"/>
+              <a:rPr lang="en-US"/>
               <a:t>Developed by TEALS in 2015  www.tealsk12.org</a:t>
             </a:r>
-            <a:endParaRPr lang="en-US"/>
           </a:p>
         </p:txBody>
       </p:sp>
@@ -3187,10 +3172,9 @@
           <a:lstStyle/>
           <a:p>
             <a:r>
-              <a:rPr lang="en-US" smtClean="0"/>
+              <a:rPr lang="en-US"/>
               <a:t>Click to edit Master title style</a:t>
             </a:r>
-            <a:endParaRPr lang="en-US"/>
           </a:p>
         </p:txBody>
       </p:sp>
@@ -3221,38 +3205,37 @@
           <a:p>
             <a:pPr lvl="0"/>
             <a:r>
-              <a:rPr lang="en-US" smtClean="0"/>
+              <a:rPr lang="en-US"/>
               <a:t>Click to edit Master text styles</a:t>
             </a:r>
           </a:p>
           <a:p>
             <a:pPr lvl="1"/>
             <a:r>
-              <a:rPr lang="en-US" smtClean="0"/>
+              <a:rPr lang="en-US"/>
               <a:t>Second level</a:t>
             </a:r>
           </a:p>
           <a:p>
             <a:pPr lvl="2"/>
             <a:r>
-              <a:rPr lang="en-US" smtClean="0"/>
+              <a:rPr lang="en-US"/>
               <a:t>Third level</a:t>
             </a:r>
           </a:p>
           <a:p>
             <a:pPr lvl="3"/>
             <a:r>
-              <a:rPr lang="en-US" smtClean="0"/>
+              <a:rPr lang="en-US"/>
               <a:t>Fourth level</a:t>
             </a:r>
           </a:p>
           <a:p>
             <a:pPr lvl="4"/>
             <a:r>
-              <a:rPr lang="en-US" smtClean="0"/>
+              <a:rPr lang="en-US"/>
               <a:t>Fifth level</a:t>
             </a:r>
-            <a:endParaRPr lang="en-US"/>
           </a:p>
         </p:txBody>
       </p:sp>
@@ -3291,7 +3274,7 @@
           <a:p>
             <a:fld id="{EB2A284D-251E-7046-B0B7-6A85726BD855}" type="datetime1">
               <a:rPr lang="en-US" smtClean="0"/>
-              <a:t>6/23/15</a:t>
+              <a:t>2/18/2020</a:t>
             </a:fld>
             <a:endParaRPr lang="en-US"/>
           </a:p>
@@ -3331,10 +3314,9 @@
           </a:lstStyle>
           <a:p>
             <a:r>
-              <a:rPr lang="en-US" smtClean="0"/>
+              <a:rPr lang="en-US"/>
               <a:t>Developed by TEALS in 2015  www.tealsk12.org</a:t>
             </a:r>
-            <a:endParaRPr lang="en-US"/>
           </a:p>
         </p:txBody>
       </p:sp>
@@ -3689,30 +3671,17 @@
           <a:lstStyle/>
           <a:p>
             <a:r>
-              <a:rPr lang="en-US" b="1" dirty="0" smtClean="0"/>
-              <a:t>Lesson </a:t>
-            </a:r>
-            <a:r>
               <a:rPr lang="en-US" b="1" dirty="0"/>
-              <a:t>7</a:t>
-            </a:r>
-            <a:r>
-              <a:rPr lang="en-US" b="1" dirty="0" smtClean="0"/>
-              <a:t>.0 </a:t>
-            </a:r>
-            <a:r>
-              <a:rPr lang="en-US" dirty="0" smtClean="0">
+              <a:t>Lesson 7.0 </a:t>
+            </a:r>
+            <a:r>
+              <a:rPr lang="en-US" dirty="0">
                 <a:solidFill>
                   <a:srgbClr val="17B1AA"/>
                 </a:solidFill>
               </a:rPr>
               <a:t>Test Review and Reteach</a:t>
             </a:r>
-            <a:endParaRPr lang="en-US" dirty="0">
-              <a:solidFill>
-                <a:srgbClr val="17B1AA"/>
-              </a:solidFill>
-            </a:endParaRPr>
           </a:p>
         </p:txBody>
       </p:sp>
@@ -3741,38 +3710,29 @@
               </a:rPr>
               <a:t>Objectives </a:t>
             </a:r>
-            <a:endParaRPr lang="en-US" dirty="0" smtClean="0">
+          </a:p>
+          <a:p>
+            <a:pPr lvl="1"/>
+            <a:r>
+              <a:rPr lang="en-US" b="1" dirty="0"/>
+              <a:t>Re-learn or strengthen</a:t>
+            </a:r>
+            <a:r>
+              <a:rPr lang="en-US" dirty="0"/>
+              <a:t> content knowledge and skills from Unit 6.</a:t>
+            </a:r>
+            <a:endParaRPr lang="en-US" b="1" dirty="0"/>
+          </a:p>
+          <a:p>
+            <a:endParaRPr lang="en-US" dirty="0">
               <a:solidFill>
                 <a:srgbClr val="17B1AA"/>
               </a:solidFill>
             </a:endParaRPr>
           </a:p>
           <a:p>
-            <a:pPr lvl="1"/>
-            <a:r>
-              <a:rPr lang="en-US" b="1" dirty="0" smtClean="0"/>
-              <a:t>Re-learn or strengthen</a:t>
-            </a:r>
-            <a:r>
-              <a:rPr lang="en-US" dirty="0" smtClean="0"/>
-              <a:t> content knowledge and skills from Unit </a:t>
-            </a:r>
-            <a:r>
-              <a:rPr lang="en-US" dirty="0" smtClean="0"/>
-              <a:t>6.</a:t>
-            </a:r>
-            <a:endParaRPr lang="en-US" b="1" dirty="0"/>
-          </a:p>
-          <a:p>
-            <a:endParaRPr lang="en-US" dirty="0" smtClean="0">
-              <a:solidFill>
-                <a:srgbClr val="17B1AA"/>
-              </a:solidFill>
-            </a:endParaRPr>
-          </a:p>
-          <a:p>
-            <a:r>
-              <a:rPr lang="en-US" dirty="0" smtClean="0">
+            <a:r>
+              <a:rPr lang="en-US" dirty="0">
                 <a:solidFill>
                   <a:srgbClr val="17B1AA"/>
                 </a:solidFill>
@@ -3783,11 +3743,11 @@
           <a:p>
             <a:pPr lvl="1"/>
             <a:r>
-              <a:rPr lang="en-US" b="1" dirty="0" smtClean="0"/>
+              <a:rPr lang="en-US" b="1" dirty="0"/>
               <a:t>Re-submit</a:t>
             </a:r>
             <a:r>
-              <a:rPr lang="en-US" dirty="0" smtClean="0"/>
+              <a:rPr lang="en-US" dirty="0"/>
               <a:t> test answers with updated corrections</a:t>
             </a:r>
             <a:endParaRPr lang="en-US" b="1" dirty="0"/>
@@ -3807,36 +3767,26 @@
               </a:rPr>
               <a:t>Homework </a:t>
             </a:r>
-            <a:endParaRPr lang="en-US" dirty="0" smtClean="0">
-              <a:solidFill>
-                <a:srgbClr val="17B1AA"/>
-              </a:solidFill>
-            </a:endParaRPr>
           </a:p>
           <a:p>
             <a:pPr lvl="1"/>
             <a:r>
-              <a:rPr lang="en-US" b="1" dirty="0" smtClean="0"/>
+              <a:rPr lang="en-US" b="1" dirty="0"/>
               <a:t>Read</a:t>
             </a:r>
             <a:r>
-              <a:rPr lang="en-US" dirty="0" smtClean="0"/>
-              <a:t> HW </a:t>
-            </a:r>
-            <a:r>
-              <a:rPr lang="en-US" dirty="0" smtClean="0"/>
-              <a:t>13.1 up to “Sorting”</a:t>
-            </a:r>
-            <a:endParaRPr lang="en-US" dirty="0" smtClean="0"/>
+              <a:rPr lang="en-US" dirty="0"/>
+              <a:t> HW 13.1 up to “Sorting”</a:t>
+            </a:r>
           </a:p>
           <a:p>
             <a:pPr lvl="1"/>
             <a:r>
-              <a:rPr lang="en-US" b="1" dirty="0" smtClean="0"/>
+              <a:rPr lang="en-US" b="1" dirty="0"/>
               <a:t>Correct</a:t>
             </a:r>
             <a:r>
-              <a:rPr lang="en-US" dirty="0" smtClean="0"/>
+              <a:rPr lang="en-US" dirty="0"/>
               <a:t> any incorrect test answers by re-answering on a separate sheet of paper</a:t>
             </a:r>
             <a:endParaRPr lang="en-US" b="1" dirty="0"/>
@@ -3862,10 +3812,9 @@
           <a:lstStyle/>
           <a:p>
             <a:r>
-              <a:rPr lang="en-US" smtClean="0"/>
+              <a:rPr lang="en-US"/>
               <a:t>Developed by TEALS in 2015  www.tealsk12.org</a:t>
             </a:r>
-            <a:endParaRPr lang="en-US"/>
           </a:p>
         </p:txBody>
       </p:sp>
@@ -3917,26 +3866,17 @@
           <a:lstStyle/>
           <a:p>
             <a:r>
-              <a:rPr lang="en-US" b="1" dirty="0" smtClean="0"/>
-              <a:t>Lesson </a:t>
-            </a:r>
-            <a:r>
-              <a:rPr lang="en-US" b="1" dirty="0" smtClean="0"/>
-              <a:t>7.1 </a:t>
-            </a:r>
-            <a:r>
-              <a:rPr lang="en-US" dirty="0" smtClean="0">
+              <a:rPr lang="en-US" b="1" dirty="0"/>
+              <a:t>Lesson 7.1 </a:t>
+            </a:r>
+            <a:r>
+              <a:rPr lang="en-US" dirty="0">
                 <a:solidFill>
                   <a:srgbClr val="17B1AA"/>
                 </a:solidFill>
               </a:rPr>
               <a:t>Searching Algorithms</a:t>
             </a:r>
-            <a:endParaRPr lang="en-US" dirty="0">
-              <a:solidFill>
-                <a:srgbClr val="17B1AA"/>
-              </a:solidFill>
-            </a:endParaRPr>
           </a:p>
         </p:txBody>
       </p:sp>
@@ -3965,33 +3905,28 @@
               </a:rPr>
               <a:t>Objectives </a:t>
             </a:r>
-            <a:endParaRPr lang="en-US" dirty="0" smtClean="0">
+          </a:p>
+          <a:p>
+            <a:pPr lvl="1"/>
+            <a:r>
+              <a:rPr lang="en-US" b="1" dirty="0"/>
+              <a:t>Compare and contrast</a:t>
+            </a:r>
+            <a:r>
+              <a:rPr lang="en-US" dirty="0"/>
+              <a:t> the different search algorithms.</a:t>
+            </a:r>
+          </a:p>
+          <a:p>
+            <a:endParaRPr lang="en-US" dirty="0">
               <a:solidFill>
                 <a:srgbClr val="17B1AA"/>
               </a:solidFill>
             </a:endParaRPr>
           </a:p>
           <a:p>
-            <a:pPr lvl="1"/>
-            <a:r>
-              <a:rPr lang="en-US" b="1" dirty="0"/>
-              <a:t>Compare and contrast</a:t>
-            </a:r>
-            <a:r>
-              <a:rPr lang="en-US" dirty="0"/>
-              <a:t> the different search algorithms.</a:t>
-            </a:r>
-          </a:p>
-          <a:p>
-            <a:endParaRPr lang="en-US" dirty="0" smtClean="0">
-              <a:solidFill>
-                <a:srgbClr val="17B1AA"/>
-              </a:solidFill>
-            </a:endParaRPr>
-          </a:p>
-          <a:p>
-            <a:r>
-              <a:rPr lang="en-US" dirty="0" smtClean="0">
+            <a:r>
+              <a:rPr lang="en-US" dirty="0">
                 <a:solidFill>
                   <a:srgbClr val="17B1AA"/>
                 </a:solidFill>
@@ -4025,11 +3960,6 @@
               </a:rPr>
               <a:t>Homework </a:t>
             </a:r>
-            <a:endParaRPr lang="en-US" dirty="0" smtClean="0">
-              <a:solidFill>
-                <a:srgbClr val="17B1AA"/>
-              </a:solidFill>
-            </a:endParaRPr>
           </a:p>
           <a:p>
             <a:pPr lvl="1"/>
@@ -4074,10 +4004,9 @@
           <a:lstStyle/>
           <a:p>
             <a:r>
-              <a:rPr lang="en-US" smtClean="0"/>
+              <a:rPr lang="en-US"/>
               <a:t>Developed by TEALS in 2015  www.tealsk12.org</a:t>
             </a:r>
-            <a:endParaRPr lang="en-US"/>
           </a:p>
         </p:txBody>
       </p:sp>
@@ -4129,26 +4058,17 @@
           <a:lstStyle/>
           <a:p>
             <a:r>
-              <a:rPr lang="en-US" b="1" dirty="0" smtClean="0"/>
-              <a:t>Lesson </a:t>
-            </a:r>
-            <a:r>
-              <a:rPr lang="en-US" b="1" dirty="0" smtClean="0"/>
-              <a:t>7.2 </a:t>
-            </a:r>
-            <a:r>
-              <a:rPr lang="en-US" dirty="0" smtClean="0">
+              <a:rPr lang="en-US" b="1" dirty="0"/>
+              <a:t>Lesson 7.2 </a:t>
+            </a:r>
+            <a:r>
+              <a:rPr lang="en-US" dirty="0">
                 <a:solidFill>
                   <a:srgbClr val="17B1AA"/>
                 </a:solidFill>
               </a:rPr>
               <a:t>Sorting Algorithms</a:t>
             </a:r>
-            <a:endParaRPr lang="en-US" dirty="0">
-              <a:solidFill>
-                <a:srgbClr val="17B1AA"/>
-              </a:solidFill>
-            </a:endParaRPr>
           </a:p>
         </p:txBody>
       </p:sp>
@@ -4177,11 +4097,6 @@
               </a:rPr>
               <a:t>Objectives </a:t>
             </a:r>
-            <a:endParaRPr lang="en-US" dirty="0" smtClean="0">
-              <a:solidFill>
-                <a:srgbClr val="17B1AA"/>
-              </a:solidFill>
-            </a:endParaRPr>
           </a:p>
           <a:p>
             <a:pPr lvl="1"/>
@@ -4217,33 +4132,26 @@
               </a:rPr>
               <a:t>Assessments </a:t>
             </a:r>
-            <a:endParaRPr lang="en-US" dirty="0" smtClean="0">
-              <a:solidFill>
-                <a:srgbClr val="17B1AA"/>
-              </a:solidFill>
-            </a:endParaRPr>
           </a:p>
           <a:p>
             <a:pPr lvl="1"/>
             <a:r>
-              <a:rPr lang="en-US" b="1" dirty="0" smtClean="0"/>
+              <a:rPr lang="en-US" b="1" dirty="0"/>
               <a:t>Complete</a:t>
             </a:r>
             <a:r>
-              <a:rPr lang="en-US" dirty="0" smtClean="0"/>
+              <a:rPr lang="en-US" dirty="0"/>
               <a:t> some short answer questions on worksheets</a:t>
             </a:r>
-            <a:endParaRPr lang="en-US" dirty="0" smtClean="0"/>
           </a:p>
           <a:p>
             <a:pPr marL="457200" lvl="1" indent="0">
               <a:buNone/>
             </a:pPr>
             <a:r>
-              <a:rPr lang="en-US" dirty="0" smtClean="0"/>
+              <a:rPr lang="en-US" dirty="0"/>
               <a:t> </a:t>
             </a:r>
-            <a:endParaRPr lang="en-US" dirty="0"/>
           </a:p>
           <a:p>
             <a:r>
@@ -4254,11 +4162,6 @@
               </a:rPr>
               <a:t>Homework </a:t>
             </a:r>
-            <a:endParaRPr lang="en-US" dirty="0" smtClean="0">
-              <a:solidFill>
-                <a:srgbClr val="17B1AA"/>
-              </a:solidFill>
-            </a:endParaRPr>
           </a:p>
           <a:p>
             <a:pPr lvl="1"/>
@@ -4268,17 +4171,12 @@
             </a:r>
             <a:r>
               <a:rPr lang="en-US" dirty="0"/>
-              <a:t> </a:t>
-            </a:r>
-            <a:r>
-              <a:rPr lang="en-US" dirty="0" smtClean="0"/>
-              <a:t>HW 13.1 “Shuffling”</a:t>
-            </a:r>
+              <a:t> HW 13.1 “Shuffling”</a:t>
+            </a:r>
+          </a:p>
+          <a:p>
             <a:endParaRPr lang="en-US" dirty="0"/>
           </a:p>
-          <a:p>
-            <a:endParaRPr lang="en-US" dirty="0"/>
-          </a:p>
         </p:txBody>
       </p:sp>
       <p:sp>
@@ -4297,10 +4195,9 @@
           <a:lstStyle/>
           <a:p>
             <a:r>
-              <a:rPr lang="en-US" smtClean="0"/>
+              <a:rPr lang="en-US"/>
               <a:t>Developed by TEALS in 2015  www.tealsk12.org</a:t>
             </a:r>
-            <a:endParaRPr lang="en-US"/>
           </a:p>
         </p:txBody>
       </p:sp>
@@ -4352,26 +4249,17 @@
           <a:lstStyle/>
           <a:p>
             <a:r>
-              <a:rPr lang="en-US" b="1" dirty="0" smtClean="0"/>
-              <a:t>Lesson </a:t>
-            </a:r>
-            <a:r>
-              <a:rPr lang="en-US" b="1" dirty="0" smtClean="0"/>
-              <a:t>7.3 </a:t>
-            </a:r>
-            <a:r>
-              <a:rPr lang="en-US" dirty="0" smtClean="0">
+              <a:rPr lang="en-US" b="1" dirty="0"/>
+              <a:t>Lesson 7.3 </a:t>
+            </a:r>
+            <a:r>
+              <a:rPr lang="en-US" dirty="0">
                 <a:solidFill>
                   <a:srgbClr val="17B1AA"/>
                 </a:solidFill>
               </a:rPr>
               <a:t>Elevens Lab</a:t>
             </a:r>
-            <a:endParaRPr lang="en-US" dirty="0">
-              <a:solidFill>
-                <a:srgbClr val="17B1AA"/>
-              </a:solidFill>
-            </a:endParaRPr>
           </a:p>
         </p:txBody>
       </p:sp>
@@ -4400,33 +4288,28 @@
               </a:rPr>
               <a:t>Objectives </a:t>
             </a:r>
-            <a:endParaRPr lang="en-US" dirty="0" smtClean="0">
+          </a:p>
+          <a:p>
+            <a:pPr lvl="1"/>
+            <a:r>
+              <a:rPr lang="en-US" b="1" dirty="0"/>
+              <a:t>Complete</a:t>
+            </a:r>
+            <a:r>
+              <a:rPr lang="en-US" dirty="0"/>
+              <a:t> a long-form lab, demonstrating effective use of object-oriented program design, program implementation and analysis, and standard data structures and algorithms.</a:t>
+            </a:r>
+          </a:p>
+          <a:p>
+            <a:endParaRPr lang="en-US" dirty="0">
               <a:solidFill>
                 <a:srgbClr val="17B1AA"/>
               </a:solidFill>
             </a:endParaRPr>
           </a:p>
           <a:p>
-            <a:pPr lvl="1"/>
-            <a:r>
-              <a:rPr lang="en-US" b="1" dirty="0"/>
-              <a:t>Complete</a:t>
-            </a:r>
-            <a:r>
-              <a:rPr lang="en-US" dirty="0"/>
-              <a:t> a long-form lab, demonstrating effective use of object-oriented program design, program implementation and analysis, and standard data structures and algorithms.</a:t>
-            </a:r>
-          </a:p>
-          <a:p>
-            <a:endParaRPr lang="en-US" dirty="0" smtClean="0">
-              <a:solidFill>
-                <a:srgbClr val="17B1AA"/>
-              </a:solidFill>
-            </a:endParaRPr>
-          </a:p>
-          <a:p>
-            <a:r>
-              <a:rPr lang="en-US" dirty="0" smtClean="0">
+            <a:r>
+              <a:rPr lang="en-US" dirty="0">
                 <a:solidFill>
                   <a:srgbClr val="17B1AA"/>
                 </a:solidFill>
@@ -4442,13 +4325,8 @@
             </a:r>
             <a:r>
               <a:rPr lang="en-US" dirty="0"/>
-              <a:t> </a:t>
-            </a:r>
-            <a:r>
-              <a:rPr lang="en-US" dirty="0" smtClean="0"/>
-              <a:t>the Elevens Lab</a:t>
-            </a:r>
-            <a:endParaRPr lang="en-US" dirty="0"/>
+              <a:t> the Elevens Lab</a:t>
+            </a:r>
           </a:p>
           <a:p>
             <a:pPr marL="0" indent="0">
@@ -4465,23 +4343,17 @@
               </a:rPr>
               <a:t>Homework </a:t>
             </a:r>
-            <a:endParaRPr lang="en-US" dirty="0" smtClean="0">
-              <a:solidFill>
-                <a:srgbClr val="17B1AA"/>
-              </a:solidFill>
-            </a:endParaRPr>
           </a:p>
           <a:p>
             <a:pPr lvl="1"/>
             <a:r>
-              <a:rPr lang="en-US" b="1" dirty="0" smtClean="0"/>
+              <a:rPr lang="en-US" b="1" dirty="0"/>
               <a:t>Complete</a:t>
             </a:r>
             <a:r>
-              <a:rPr lang="en-US" dirty="0" smtClean="0"/>
+              <a:rPr lang="en-US" dirty="0"/>
               <a:t> homework assignments as outlined for the project</a:t>
             </a:r>
-            <a:endParaRPr lang="en-US" dirty="0" smtClean="0"/>
           </a:p>
           <a:p>
             <a:pPr marL="0" indent="0">
@@ -4507,10 +4379,9 @@
           <a:lstStyle/>
           <a:p>
             <a:r>
-              <a:rPr lang="en-US" smtClean="0"/>
+              <a:rPr lang="en-US"/>
               <a:t>Developed by TEALS in 2015  www.tealsk12.org</a:t>
             </a:r>
-            <a:endParaRPr lang="en-US"/>
           </a:p>
         </p:txBody>
       </p:sp>
@@ -4560,30 +4431,17 @@
           <a:lstStyle/>
           <a:p>
             <a:r>
-              <a:rPr lang="en-US" b="1" dirty="0" smtClean="0"/>
-              <a:t>Lesson </a:t>
-            </a:r>
-            <a:r>
-              <a:rPr lang="en-US" b="1" dirty="0" smtClean="0"/>
-              <a:t>7.4</a:t>
-            </a:r>
-            <a:r>
-              <a:rPr lang="en-US" b="1" dirty="0" smtClean="0"/>
-              <a:t> </a:t>
-            </a:r>
-            <a:r>
-              <a:rPr lang="en-US" dirty="0" smtClean="0">
+              <a:rPr lang="en-US" b="1" dirty="0"/>
+              <a:t>Lesson 7.4 </a:t>
+            </a:r>
+            <a:r>
+              <a:rPr lang="en-US" dirty="0">
                 <a:solidFill>
                   <a:srgbClr val="17B1AA"/>
                 </a:solidFill>
               </a:rPr>
               <a:t>Review</a:t>
             </a:r>
-            <a:endParaRPr lang="en-US" dirty="0">
-              <a:solidFill>
-                <a:srgbClr val="17B1AA"/>
-              </a:solidFill>
-            </a:endParaRPr>
           </a:p>
         </p:txBody>
       </p:sp>
@@ -4612,41 +4470,16 @@
               </a:rPr>
               <a:t>Objectives </a:t>
             </a:r>
-            <a:endParaRPr lang="en-US" dirty="0" smtClean="0">
-              <a:solidFill>
-                <a:srgbClr val="17B1AA"/>
-              </a:solidFill>
-            </a:endParaRPr>
           </a:p>
           <a:p>
             <a:pPr lvl="1"/>
             <a:r>
-              <a:rPr lang="en-US" b="1" dirty="0" smtClean="0"/>
+              <a:rPr lang="en-US" b="1" dirty="0"/>
               <a:t>Identify</a:t>
             </a:r>
             <a:r>
-              <a:rPr lang="en-US" dirty="0" smtClean="0"/>
-              <a:t> </a:t>
-            </a:r>
-            <a:r>
               <a:rPr lang="en-US" dirty="0"/>
-              <a:t>weaknesses in </a:t>
-            </a:r>
-            <a:r>
-              <a:rPr lang="en-US" dirty="0" smtClean="0"/>
-              <a:t>Unit </a:t>
-            </a:r>
-            <a:r>
-              <a:rPr lang="en-US" dirty="0"/>
-              <a:t>6</a:t>
-            </a:r>
-            <a:r>
-              <a:rPr lang="en-US" dirty="0" smtClean="0"/>
-              <a:t> </a:t>
-            </a:r>
-            <a:r>
-              <a:rPr lang="en-US" dirty="0"/>
-              <a:t>knowledge.</a:t>
+              <a:t> weaknesses in Unit 6 knowledge.</a:t>
             </a:r>
           </a:p>
           <a:p>
@@ -4664,25 +4497,16 @@
               </a:rPr>
               <a:t>Assessments </a:t>
             </a:r>
-            <a:endParaRPr lang="en-US" dirty="0" smtClean="0">
-              <a:solidFill>
-                <a:srgbClr val="17B1AA"/>
-              </a:solidFill>
-            </a:endParaRPr>
           </a:p>
           <a:p>
             <a:pPr lvl="1"/>
             <a:r>
-              <a:rPr lang="en-US" b="1" dirty="0" smtClean="0"/>
+              <a:rPr lang="en-US" b="1" dirty="0"/>
               <a:t>Create</a:t>
             </a:r>
             <a:r>
-              <a:rPr lang="en-US" dirty="0" smtClean="0"/>
-              <a:t> </a:t>
-            </a:r>
-            <a:r>
               <a:rPr lang="en-US" dirty="0"/>
-              <a:t>a personalized list of review topics to guide tonight’s study session.</a:t>
+              <a:t> a personalized list of review topics to guide tonight’s study session.</a:t>
             </a:r>
           </a:p>
           <a:p>
@@ -4700,35 +4524,21 @@
               </a:rPr>
               <a:t>Homework </a:t>
             </a:r>
-            <a:endParaRPr lang="en-US" dirty="0" smtClean="0">
-              <a:solidFill>
-                <a:srgbClr val="17B1AA"/>
-              </a:solidFill>
-            </a:endParaRPr>
           </a:p>
           <a:p>
             <a:pPr lvl="1"/>
             <a:r>
-              <a:rPr lang="en-US" b="1" dirty="0" smtClean="0"/>
+              <a:rPr lang="en-US" b="1" dirty="0"/>
               <a:t>Study</a:t>
             </a:r>
             <a:r>
-              <a:rPr lang="en-US" dirty="0" smtClean="0"/>
-              <a:t> </a:t>
-            </a:r>
-            <a:r>
               <a:rPr lang="en-US" dirty="0"/>
-              <a:t>for tomorrow’s </a:t>
-            </a:r>
-            <a:r>
-              <a:rPr lang="en-US" dirty="0" smtClean="0"/>
-              <a:t>test using targeted review list</a:t>
-            </a:r>
+              <a:t> for tomorrow’s test using targeted review list</a:t>
+            </a:r>
+          </a:p>
+          <a:p>
             <a:endParaRPr lang="en-US" dirty="0"/>
           </a:p>
-          <a:p>
-            <a:endParaRPr lang="en-US" dirty="0"/>
-          </a:p>
         </p:txBody>
       </p:sp>
       <p:sp>
@@ -4747,10 +4557,9 @@
           <a:lstStyle/>
           <a:p>
             <a:r>
-              <a:rPr lang="en-US" smtClean="0"/>
+              <a:rPr lang="en-US"/>
               <a:t>Developed by TEALS in 2015  www.tealsk12.org</a:t>
             </a:r>
-            <a:endParaRPr lang="en-US"/>
           </a:p>
         </p:txBody>
       </p:sp>
@@ -5728,6 +5537,15 @@
 </file>
 
 <file path=customXml/item1.xml><?xml version="1.0" encoding="utf-8"?>
+<?mso-contentType ?>
+<FormTemplates xmlns="http://schemas.microsoft.com/sharepoint/v3/contenttype/forms">
+  <Display>DocumentLibraryForm</Display>
+  <Edit>DocumentLibraryForm</Edit>
+  <New>DocumentLibraryForm</New>
+</FormTemplates>
+</file>
+
+<file path=customXml/item2.xml><?xml version="1.0" encoding="utf-8"?>
 <ct:contentTypeSchema xmlns:ct="http://schemas.microsoft.com/office/2006/metadata/contentType" xmlns:ma="http://schemas.microsoft.com/office/2006/metadata/properties/metaAttributes" ct:_="" ma:_="" ma:contentTypeName="Document" ma:contentTypeID="0x010100BABADD3A0624AA4E97287821B8F4D7D6" ma:contentTypeVersion="3" ma:contentTypeDescription="Create a new document." ma:contentTypeScope="" ma:versionID="e0073545f5cddffb46c9fa8d01738dd8">
   <xsd:schema xmlns:xsd="http://www.w3.org/2001/XMLSchema" xmlns:xs="http://www.w3.org/2001/XMLSchema" xmlns:p="http://schemas.microsoft.com/office/2006/metadata/properties" xmlns:ns2="5edd459b-714d-42ed-b78f-512da7d1c14e" targetNamespace="http://schemas.microsoft.com/office/2006/metadata/properties" ma:root="true" ma:fieldsID="5b223eadad92f795ae696ccb91d8f218" ns2:_="">
     <xsd:import namespace="5edd459b-714d-42ed-b78f-512da7d1c14e"/>
@@ -5881,15 +5699,6 @@
 </ct:contentTypeSchema>
 </file>
 
-<file path=customXml/item2.xml><?xml version="1.0" encoding="utf-8"?>
-<?mso-contentType ?>
-<FormTemplates xmlns="http://schemas.microsoft.com/sharepoint/v3/contenttype/forms">
-  <Display>DocumentLibraryForm</Display>
-  <Edit>DocumentLibraryForm</Edit>
-  <New>DocumentLibraryForm</New>
-</FormTemplates>
-</file>
-
 <file path=customXml/item3.xml><?xml version="1.0" encoding="utf-8"?>
 <p:properties xmlns:p="http://schemas.microsoft.com/office/2006/metadata/properties" xmlns:xsi="http://www.w3.org/2001/XMLSchema-instance" xmlns:pc="http://schemas.microsoft.com/office/infopath/2007/PartnerControls">
   <documentManagement/>
@@ -5897,13 +5706,36 @@
 </file>
 
 <file path=customXml/itemProps1.xml><?xml version="1.0" encoding="utf-8"?>
-<ds:datastoreItem xmlns:ds="http://schemas.openxmlformats.org/officeDocument/2006/customXml" ds:itemID="{8C1703B9-1684-40C7-A727-96C5FE4519B7}"/>
+<ds:datastoreItem xmlns:ds="http://schemas.openxmlformats.org/officeDocument/2006/customXml" ds:itemID="{5BCDBC7D-4B77-44DF-912F-A60B48A46857}">
+  <ds:schemaRefs>
+    <ds:schemaRef ds:uri="http://schemas.microsoft.com/sharepoint/v3/contenttype/forms"/>
+  </ds:schemaRefs>
+</ds:datastoreItem>
 </file>
 
 <file path=customXml/itemProps2.xml><?xml version="1.0" encoding="utf-8"?>
-<ds:datastoreItem xmlns:ds="http://schemas.openxmlformats.org/officeDocument/2006/customXml" ds:itemID="{5BCDBC7D-4B77-44DF-912F-A60B48A46857}"/>
+<ds:datastoreItem xmlns:ds="http://schemas.openxmlformats.org/officeDocument/2006/customXml" ds:itemID="{8C1703B9-1684-40C7-A727-96C5FE4519B7}">
+  <ds:schemaRefs>
+    <ds:schemaRef ds:uri="http://schemas.microsoft.com/office/2006/metadata/contentType"/>
+    <ds:schemaRef ds:uri="http://schemas.microsoft.com/office/2006/metadata/properties/metaAttributes"/>
+    <ds:schemaRef ds:uri="http://www.w3.org/2001/XMLSchema"/>
+    <ds:schemaRef ds:uri="http://schemas.microsoft.com/office/2006/metadata/properties"/>
+    <ds:schemaRef ds:uri="5edd459b-714d-42ed-b78f-512da7d1c14e"/>
+    <ds:schemaRef ds:uri="http://schemas.microsoft.com/office/2006/documentManagement/types"/>
+    <ds:schemaRef ds:uri="http://schemas.microsoft.com/office/infopath/2007/PartnerControls"/>
+    <ds:schemaRef ds:uri="http://schemas.openxmlformats.org/package/2006/metadata/core-properties"/>
+    <ds:schemaRef ds:uri="http://purl.org/dc/elements/1.1/"/>
+    <ds:schemaRef ds:uri="http://purl.org/dc/terms/"/>
+    <ds:schemaRef ds:uri="http://schemas.microsoft.com/internal/obd"/>
+  </ds:schemaRefs>
+</ds:datastoreItem>
 </file>
 
 <file path=customXml/itemProps3.xml><?xml version="1.0" encoding="utf-8"?>
-<ds:datastoreItem xmlns:ds="http://schemas.openxmlformats.org/officeDocument/2006/customXml" ds:itemID="{769E4806-154B-4802-887E-1B49F0BFB80F}"/>
+<ds:datastoreItem xmlns:ds="http://schemas.openxmlformats.org/officeDocument/2006/customXml" ds:itemID="{769E4806-154B-4802-887E-1B49F0BFB80F}">
+  <ds:schemaRefs>
+    <ds:schemaRef ds:uri="http://schemas.microsoft.com/office/2006/metadata/properties"/>
+    <ds:schemaRef ds:uri="http://schemas.microsoft.com/office/infopath/2007/PartnerControls"/>
+  </ds:schemaRefs>
+</ds:datastoreItem>
 </file>
--- a/curriculum/Unit7/Unit 7 Slides.pptx
+++ b/curriculum/Unit7/Unit 7 Slides.pptx
@@ -2,20 +2,20 @@
 <file path=ppt/presentation.xml><?xml version="1.0" encoding="utf-8"?>
 <p:presentation xmlns:a="http://schemas.openxmlformats.org/drawingml/2006/main" xmlns:r="http://schemas.openxmlformats.org/officeDocument/2006/relationships" xmlns:p="http://schemas.openxmlformats.org/presentationml/2006/main" saveSubsetFonts="1" autoCompressPictures="0">
   <p:sldMasterIdLst>
-    <p:sldMasterId id="2147483648" r:id="rId4"/>
+    <p:sldMasterId id="2147483648" r:id="rId1"/>
   </p:sldMasterIdLst>
   <p:notesMasterIdLst>
-    <p:notesMasterId r:id="rId10"/>
+    <p:notesMasterId r:id="rId7"/>
   </p:notesMasterIdLst>
   <p:handoutMasterIdLst>
-    <p:handoutMasterId r:id="rId11"/>
+    <p:handoutMasterId r:id="rId8"/>
   </p:handoutMasterIdLst>
   <p:sldIdLst>
-    <p:sldId id="271" r:id="rId5"/>
-    <p:sldId id="282" r:id="rId6"/>
-    <p:sldId id="278" r:id="rId7"/>
-    <p:sldId id="279" r:id="rId8"/>
-    <p:sldId id="281" r:id="rId9"/>
+    <p:sldId id="271" r:id="rId2"/>
+    <p:sldId id="282" r:id="rId3"/>
+    <p:sldId id="278" r:id="rId4"/>
+    <p:sldId id="279" r:id="rId5"/>
+    <p:sldId id="281" r:id="rId6"/>
   </p:sldIdLst>
   <p:sldSz cx="9144000" cy="6858000" type="screen4x3"/>
   <p:notesSz cx="6858000" cy="9144000"/>
@@ -114,22 +114,6 @@
       </a:defRPr>
     </a:lvl9pPr>
   </p:defaultTextStyle>
-  <p:extLst>
-    <p:ext uri="{EFAFB233-063F-42B5-8137-9DF3F51BA10A}">
-      <p15:sldGuideLst xmlns:p15="http://schemas.microsoft.com/office/powerpoint/2012/main">
-        <p15:guide id="1" orient="horz" pos="2160">
-          <p15:clr>
-            <a:srgbClr val="A4A3A4"/>
-          </p15:clr>
-        </p15:guide>
-        <p15:guide id="2" pos="2880">
-          <p15:clr>
-            <a:srgbClr val="A4A3A4"/>
-          </p15:clr>
-        </p15:guide>
-      </p15:sldGuideLst>
-    </p:ext>
-  </p:extLst>
 </p:presentation>
 </file>
 
@@ -215,7 +199,7 @@
           <a:p>
             <a:fld id="{6D0754E3-E03E-ED44-9A59-706283C2F2CC}" type="datetimeFigureOut">
               <a:rPr lang="en-US" smtClean="0"/>
-              <a:t>2/18/2020</a:t>
+              <a:t>6/23/15</a:t>
             </a:fld>
             <a:endParaRPr lang="en-US"/>
           </a:p>
@@ -381,7 +365,7 @@
           <a:p>
             <a:fld id="{44996FB4-6AD2-FE4B-B45E-D44A9C110DAF}" type="datetimeFigureOut">
               <a:rPr lang="en-US" smtClean="0"/>
-              <a:t>2/18/2020</a:t>
+              <a:t>6/23/15</a:t>
             </a:fld>
             <a:endParaRPr lang="en-US"/>
           </a:p>
@@ -445,37 +429,38 @@
           <a:p>
             <a:pPr lvl="0"/>
             <a:r>
-              <a:rPr lang="en-US"/>
+              <a:rPr lang="en-US" smtClean="0"/>
               <a:t>Click to edit Master text styles</a:t>
             </a:r>
           </a:p>
           <a:p>
             <a:pPr lvl="1"/>
             <a:r>
-              <a:rPr lang="en-US"/>
+              <a:rPr lang="en-US" smtClean="0"/>
               <a:t>Second level</a:t>
             </a:r>
           </a:p>
           <a:p>
             <a:pPr lvl="2"/>
             <a:r>
-              <a:rPr lang="en-US"/>
+              <a:rPr lang="en-US" smtClean="0"/>
               <a:t>Third level</a:t>
             </a:r>
           </a:p>
           <a:p>
             <a:pPr lvl="3"/>
             <a:r>
-              <a:rPr lang="en-US"/>
+              <a:rPr lang="en-US" smtClean="0"/>
               <a:t>Fourth level</a:t>
             </a:r>
           </a:p>
           <a:p>
             <a:pPr lvl="4"/>
             <a:r>
-              <a:rPr lang="en-US"/>
+              <a:rPr lang="en-US" smtClean="0"/>
               <a:t>Fifth level</a:t>
             </a:r>
+            <a:endParaRPr lang="en-US"/>
           </a:p>
         </p:txBody>
       </p:sp>
@@ -687,9 +672,10 @@
           <a:lstStyle/>
           <a:p>
             <a:r>
-              <a:rPr lang="en-US"/>
+              <a:rPr lang="en-US" smtClean="0"/>
               <a:t>Click to edit Master title style</a:t>
             </a:r>
+            <a:endParaRPr lang="en-US"/>
           </a:p>
         </p:txBody>
       </p:sp>
@@ -805,9 +791,10 @@
           </a:lstStyle>
           <a:p>
             <a:r>
-              <a:rPr lang="en-US"/>
+              <a:rPr lang="en-US" smtClean="0"/>
               <a:t>Click to edit Master subtitle style</a:t>
             </a:r>
+            <a:endParaRPr lang="en-US"/>
           </a:p>
         </p:txBody>
       </p:sp>
@@ -828,7 +815,7 @@
           <a:p>
             <a:fld id="{34990CC2-A8CC-B149-BA8F-DDB0E524EE45}" type="datetime1">
               <a:rPr lang="en-US" smtClean="0"/>
-              <a:t>2/18/2020</a:t>
+              <a:t>6/23/15</a:t>
             </a:fld>
             <a:endParaRPr lang="en-US"/>
           </a:p>
@@ -850,9 +837,10 @@
           <a:lstStyle/>
           <a:p>
             <a:r>
-              <a:rPr lang="en-US"/>
+              <a:rPr lang="en-US" smtClean="0"/>
               <a:t>Developed by TEALS in 2015  www.tealsk12.org</a:t>
             </a:r>
+            <a:endParaRPr lang="en-US"/>
           </a:p>
         </p:txBody>
       </p:sp>
@@ -925,9 +913,10 @@
           <a:lstStyle/>
           <a:p>
             <a:r>
-              <a:rPr lang="en-US"/>
+              <a:rPr lang="en-US" smtClean="0"/>
               <a:t>Click to edit Master title style</a:t>
             </a:r>
+            <a:endParaRPr lang="en-US"/>
           </a:p>
         </p:txBody>
       </p:sp>
@@ -948,37 +937,38 @@
           <a:p>
             <a:pPr lvl="0"/>
             <a:r>
-              <a:rPr lang="en-US"/>
+              <a:rPr lang="en-US" smtClean="0"/>
               <a:t>Click to edit Master text styles</a:t>
             </a:r>
           </a:p>
           <a:p>
             <a:pPr lvl="1"/>
             <a:r>
-              <a:rPr lang="en-US"/>
+              <a:rPr lang="en-US" smtClean="0"/>
               <a:t>Second level</a:t>
             </a:r>
           </a:p>
           <a:p>
             <a:pPr lvl="2"/>
             <a:r>
-              <a:rPr lang="en-US"/>
+              <a:rPr lang="en-US" smtClean="0"/>
               <a:t>Third level</a:t>
             </a:r>
           </a:p>
           <a:p>
             <a:pPr lvl="3"/>
             <a:r>
-              <a:rPr lang="en-US"/>
+              <a:rPr lang="en-US" smtClean="0"/>
               <a:t>Fourth level</a:t>
             </a:r>
           </a:p>
           <a:p>
             <a:pPr lvl="4"/>
             <a:r>
-              <a:rPr lang="en-US"/>
+              <a:rPr lang="en-US" smtClean="0"/>
               <a:t>Fifth level</a:t>
             </a:r>
+            <a:endParaRPr lang="en-US"/>
           </a:p>
         </p:txBody>
       </p:sp>
@@ -999,7 +989,7 @@
           <a:p>
             <a:fld id="{96267D05-F6C2-F64A-9C7F-A94B43164B5C}" type="datetime1">
               <a:rPr lang="en-US" smtClean="0"/>
-              <a:t>2/18/2020</a:t>
+              <a:t>6/23/15</a:t>
             </a:fld>
             <a:endParaRPr lang="en-US"/>
           </a:p>
@@ -1021,9 +1011,10 @@
           <a:lstStyle/>
           <a:p>
             <a:r>
-              <a:rPr lang="en-US"/>
+              <a:rPr lang="en-US" smtClean="0"/>
               <a:t>Developed by TEALS in 2015  www.tealsk12.org</a:t>
             </a:r>
+            <a:endParaRPr lang="en-US"/>
           </a:p>
         </p:txBody>
       </p:sp>
@@ -1101,9 +1092,10 @@
           <a:lstStyle/>
           <a:p>
             <a:r>
-              <a:rPr lang="en-US"/>
+              <a:rPr lang="en-US" smtClean="0"/>
               <a:t>Click to edit Master title style</a:t>
             </a:r>
+            <a:endParaRPr lang="en-US"/>
           </a:p>
         </p:txBody>
       </p:sp>
@@ -1129,37 +1121,38 @@
           <a:p>
             <a:pPr lvl="0"/>
             <a:r>
-              <a:rPr lang="en-US"/>
+              <a:rPr lang="en-US" smtClean="0"/>
               <a:t>Click to edit Master text styles</a:t>
             </a:r>
           </a:p>
           <a:p>
             <a:pPr lvl="1"/>
             <a:r>
-              <a:rPr lang="en-US"/>
+              <a:rPr lang="en-US" smtClean="0"/>
               <a:t>Second level</a:t>
             </a:r>
           </a:p>
           <a:p>
             <a:pPr lvl="2"/>
             <a:r>
-              <a:rPr lang="en-US"/>
+              <a:rPr lang="en-US" smtClean="0"/>
               <a:t>Third level</a:t>
             </a:r>
           </a:p>
           <a:p>
             <a:pPr lvl="3"/>
             <a:r>
-              <a:rPr lang="en-US"/>
+              <a:rPr lang="en-US" smtClean="0"/>
               <a:t>Fourth level</a:t>
             </a:r>
           </a:p>
           <a:p>
             <a:pPr lvl="4"/>
             <a:r>
-              <a:rPr lang="en-US"/>
+              <a:rPr lang="en-US" smtClean="0"/>
               <a:t>Fifth level</a:t>
             </a:r>
+            <a:endParaRPr lang="en-US"/>
           </a:p>
         </p:txBody>
       </p:sp>
@@ -1180,7 +1173,7 @@
           <a:p>
             <a:fld id="{087C1978-9D0A-A345-9E84-F995A3601C8E}" type="datetime1">
               <a:rPr lang="en-US" smtClean="0"/>
-              <a:t>2/18/2020</a:t>
+              <a:t>6/23/15</a:t>
             </a:fld>
             <a:endParaRPr lang="en-US"/>
           </a:p>
@@ -1202,9 +1195,10 @@
           <a:lstStyle/>
           <a:p>
             <a:r>
-              <a:rPr lang="en-US"/>
+              <a:rPr lang="en-US" smtClean="0"/>
               <a:t>Developed by TEALS in 2015  www.tealsk12.org</a:t>
             </a:r>
+            <a:endParaRPr lang="en-US"/>
           </a:p>
         </p:txBody>
       </p:sp>
@@ -1277,9 +1271,10 @@
           <a:lstStyle/>
           <a:p>
             <a:r>
-              <a:rPr lang="en-US"/>
+              <a:rPr lang="en-US" smtClean="0"/>
               <a:t>Click to edit Master title style</a:t>
             </a:r>
+            <a:endParaRPr lang="en-US"/>
           </a:p>
         </p:txBody>
       </p:sp>
@@ -1300,37 +1295,38 @@
           <a:p>
             <a:pPr lvl="0"/>
             <a:r>
-              <a:rPr lang="en-US"/>
+              <a:rPr lang="en-US" smtClean="0"/>
               <a:t>Click to edit Master text styles</a:t>
             </a:r>
           </a:p>
           <a:p>
             <a:pPr lvl="1"/>
             <a:r>
-              <a:rPr lang="en-US"/>
+              <a:rPr lang="en-US" smtClean="0"/>
               <a:t>Second level</a:t>
             </a:r>
           </a:p>
           <a:p>
             <a:pPr lvl="2"/>
             <a:r>
-              <a:rPr lang="en-US"/>
+              <a:rPr lang="en-US" smtClean="0"/>
               <a:t>Third level</a:t>
             </a:r>
           </a:p>
           <a:p>
             <a:pPr lvl="3"/>
             <a:r>
-              <a:rPr lang="en-US"/>
+              <a:rPr lang="en-US" smtClean="0"/>
               <a:t>Fourth level</a:t>
             </a:r>
           </a:p>
           <a:p>
             <a:pPr lvl="4"/>
             <a:r>
-              <a:rPr lang="en-US"/>
+              <a:rPr lang="en-US" smtClean="0"/>
               <a:t>Fifth level</a:t>
             </a:r>
+            <a:endParaRPr lang="en-US"/>
           </a:p>
         </p:txBody>
       </p:sp>
@@ -1351,7 +1347,7 @@
           <a:p>
             <a:fld id="{620CD570-9DDA-524E-9F58-9DBC8D3A8C31}" type="datetime1">
               <a:rPr lang="en-US" smtClean="0"/>
-              <a:t>2/18/2020</a:t>
+              <a:t>6/23/15</a:t>
             </a:fld>
             <a:endParaRPr lang="en-US"/>
           </a:p>
@@ -1373,9 +1369,10 @@
           <a:lstStyle/>
           <a:p>
             <a:r>
-              <a:rPr lang="en-US"/>
+              <a:rPr lang="en-US" smtClean="0"/>
               <a:t>Developed by TEALS in 2015  www.tealsk12.org</a:t>
             </a:r>
+            <a:endParaRPr lang="en-US"/>
           </a:p>
         </p:txBody>
       </p:sp>
@@ -1457,9 +1454,10 @@
           </a:lstStyle>
           <a:p>
             <a:r>
-              <a:rPr lang="en-US"/>
+              <a:rPr lang="en-US" smtClean="0"/>
               <a:t>Click to edit Master title style</a:t>
             </a:r>
+            <a:endParaRPr lang="en-US"/>
           </a:p>
         </p:txBody>
       </p:sp>
@@ -1576,7 +1574,7 @@
           <a:p>
             <a:pPr lvl="0"/>
             <a:r>
-              <a:rPr lang="en-US"/>
+              <a:rPr lang="en-US" smtClean="0"/>
               <a:t>Click to edit Master text styles</a:t>
             </a:r>
           </a:p>
@@ -1599,7 +1597,7 @@
           <a:p>
             <a:fld id="{FEBAD56B-400E-5542-B4A1-CD46AB8B4D0E}" type="datetime1">
               <a:rPr lang="en-US" smtClean="0"/>
-              <a:t>2/18/2020</a:t>
+              <a:t>6/23/15</a:t>
             </a:fld>
             <a:endParaRPr lang="en-US"/>
           </a:p>
@@ -1621,9 +1619,10 @@
           <a:lstStyle/>
           <a:p>
             <a:r>
-              <a:rPr lang="en-US"/>
+              <a:rPr lang="en-US" smtClean="0"/>
               <a:t>Developed by TEALS in 2015  www.tealsk12.org</a:t>
             </a:r>
+            <a:endParaRPr lang="en-US"/>
           </a:p>
         </p:txBody>
       </p:sp>
@@ -1696,9 +1695,10 @@
           <a:lstStyle/>
           <a:p>
             <a:r>
-              <a:rPr lang="en-US"/>
+              <a:rPr lang="en-US" smtClean="0"/>
               <a:t>Click to edit Master title style</a:t>
             </a:r>
+            <a:endParaRPr lang="en-US"/>
           </a:p>
         </p:txBody>
       </p:sp>
@@ -1752,37 +1752,38 @@
           <a:p>
             <a:pPr lvl="0"/>
             <a:r>
-              <a:rPr lang="en-US"/>
+              <a:rPr lang="en-US" smtClean="0"/>
               <a:t>Click to edit Master text styles</a:t>
             </a:r>
           </a:p>
           <a:p>
             <a:pPr lvl="1"/>
             <a:r>
-              <a:rPr lang="en-US"/>
+              <a:rPr lang="en-US" smtClean="0"/>
               <a:t>Second level</a:t>
             </a:r>
           </a:p>
           <a:p>
             <a:pPr lvl="2"/>
             <a:r>
-              <a:rPr lang="en-US"/>
+              <a:rPr lang="en-US" smtClean="0"/>
               <a:t>Third level</a:t>
             </a:r>
           </a:p>
           <a:p>
             <a:pPr lvl="3"/>
             <a:r>
-              <a:rPr lang="en-US"/>
+              <a:rPr lang="en-US" smtClean="0"/>
               <a:t>Fourth level</a:t>
             </a:r>
           </a:p>
           <a:p>
             <a:pPr lvl="4"/>
             <a:r>
-              <a:rPr lang="en-US"/>
+              <a:rPr lang="en-US" smtClean="0"/>
               <a:t>Fifth level</a:t>
             </a:r>
+            <a:endParaRPr lang="en-US"/>
           </a:p>
         </p:txBody>
       </p:sp>
@@ -1836,37 +1837,38 @@
           <a:p>
             <a:pPr lvl="0"/>
             <a:r>
-              <a:rPr lang="en-US"/>
+              <a:rPr lang="en-US" smtClean="0"/>
               <a:t>Click to edit Master text styles</a:t>
             </a:r>
           </a:p>
           <a:p>
             <a:pPr lvl="1"/>
             <a:r>
-              <a:rPr lang="en-US"/>
+              <a:rPr lang="en-US" smtClean="0"/>
               <a:t>Second level</a:t>
             </a:r>
           </a:p>
           <a:p>
             <a:pPr lvl="2"/>
             <a:r>
-              <a:rPr lang="en-US"/>
+              <a:rPr lang="en-US" smtClean="0"/>
               <a:t>Third level</a:t>
             </a:r>
           </a:p>
           <a:p>
             <a:pPr lvl="3"/>
             <a:r>
-              <a:rPr lang="en-US"/>
+              <a:rPr lang="en-US" smtClean="0"/>
               <a:t>Fourth level</a:t>
             </a:r>
           </a:p>
           <a:p>
             <a:pPr lvl="4"/>
             <a:r>
-              <a:rPr lang="en-US"/>
+              <a:rPr lang="en-US" smtClean="0"/>
               <a:t>Fifth level</a:t>
             </a:r>
+            <a:endParaRPr lang="en-US"/>
           </a:p>
         </p:txBody>
       </p:sp>
@@ -1887,7 +1889,7 @@
           <a:p>
             <a:fld id="{43394E63-B418-1F4A-9C08-2548B9C5B3C1}" type="datetime1">
               <a:rPr lang="en-US" smtClean="0"/>
-              <a:t>2/18/2020</a:t>
+              <a:t>6/23/15</a:t>
             </a:fld>
             <a:endParaRPr lang="en-US"/>
           </a:p>
@@ -1909,9 +1911,10 @@
           <a:lstStyle/>
           <a:p>
             <a:r>
-              <a:rPr lang="en-US"/>
+              <a:rPr lang="en-US" smtClean="0"/>
               <a:t>Developed by TEALS in 2015  www.tealsk12.org</a:t>
             </a:r>
+            <a:endParaRPr lang="en-US"/>
           </a:p>
         </p:txBody>
       </p:sp>
@@ -1988,9 +1991,10 @@
           </a:lstStyle>
           <a:p>
             <a:r>
-              <a:rPr lang="en-US"/>
+              <a:rPr lang="en-US" smtClean="0"/>
               <a:t>Click to edit Master title style</a:t>
             </a:r>
+            <a:endParaRPr lang="en-US"/>
           </a:p>
         </p:txBody>
       </p:sp>
@@ -2053,7 +2057,7 @@
           <a:p>
             <a:pPr lvl="0"/>
             <a:r>
-              <a:rPr lang="en-US"/>
+              <a:rPr lang="en-US" smtClean="0"/>
               <a:t>Click to edit Master text styles</a:t>
             </a:r>
           </a:p>
@@ -2109,37 +2113,38 @@
           <a:p>
             <a:pPr lvl="0"/>
             <a:r>
-              <a:rPr lang="en-US"/>
+              <a:rPr lang="en-US" smtClean="0"/>
               <a:t>Click to edit Master text styles</a:t>
             </a:r>
           </a:p>
           <a:p>
             <a:pPr lvl="1"/>
             <a:r>
-              <a:rPr lang="en-US"/>
+              <a:rPr lang="en-US" smtClean="0"/>
               <a:t>Second level</a:t>
             </a:r>
           </a:p>
           <a:p>
             <a:pPr lvl="2"/>
             <a:r>
-              <a:rPr lang="en-US"/>
+              <a:rPr lang="en-US" smtClean="0"/>
               <a:t>Third level</a:t>
             </a:r>
           </a:p>
           <a:p>
             <a:pPr lvl="3"/>
             <a:r>
-              <a:rPr lang="en-US"/>
+              <a:rPr lang="en-US" smtClean="0"/>
               <a:t>Fourth level</a:t>
             </a:r>
           </a:p>
           <a:p>
             <a:pPr lvl="4"/>
             <a:r>
-              <a:rPr lang="en-US"/>
+              <a:rPr lang="en-US" smtClean="0"/>
               <a:t>Fifth level</a:t>
             </a:r>
+            <a:endParaRPr lang="en-US"/>
           </a:p>
         </p:txBody>
       </p:sp>
@@ -2202,7 +2207,7 @@
           <a:p>
             <a:pPr lvl="0"/>
             <a:r>
-              <a:rPr lang="en-US"/>
+              <a:rPr lang="en-US" smtClean="0"/>
               <a:t>Click to edit Master text styles</a:t>
             </a:r>
           </a:p>
@@ -2258,37 +2263,38 @@
           <a:p>
             <a:pPr lvl="0"/>
             <a:r>
-              <a:rPr lang="en-US"/>
+              <a:rPr lang="en-US" smtClean="0"/>
               <a:t>Click to edit Master text styles</a:t>
             </a:r>
           </a:p>
           <a:p>
             <a:pPr lvl="1"/>
             <a:r>
-              <a:rPr lang="en-US"/>
+              <a:rPr lang="en-US" smtClean="0"/>
               <a:t>Second level</a:t>
             </a:r>
           </a:p>
           <a:p>
             <a:pPr lvl="2"/>
             <a:r>
-              <a:rPr lang="en-US"/>
+              <a:rPr lang="en-US" smtClean="0"/>
               <a:t>Third level</a:t>
             </a:r>
           </a:p>
           <a:p>
             <a:pPr lvl="3"/>
             <a:r>
-              <a:rPr lang="en-US"/>
+              <a:rPr lang="en-US" smtClean="0"/>
               <a:t>Fourth level</a:t>
             </a:r>
           </a:p>
           <a:p>
             <a:pPr lvl="4"/>
             <a:r>
-              <a:rPr lang="en-US"/>
+              <a:rPr lang="en-US" smtClean="0"/>
               <a:t>Fifth level</a:t>
             </a:r>
+            <a:endParaRPr lang="en-US"/>
           </a:p>
         </p:txBody>
       </p:sp>
@@ -2309,7 +2315,7 @@
           <a:p>
             <a:fld id="{6F92EF41-DD41-C742-BC3B-970F41658B68}" type="datetime1">
               <a:rPr lang="en-US" smtClean="0"/>
-              <a:t>2/18/2020</a:t>
+              <a:t>6/23/15</a:t>
             </a:fld>
             <a:endParaRPr lang="en-US"/>
           </a:p>
@@ -2331,9 +2337,10 @@
           <a:lstStyle/>
           <a:p>
             <a:r>
-              <a:rPr lang="en-US"/>
+              <a:rPr lang="en-US" smtClean="0"/>
               <a:t>Developed by TEALS in 2015  www.tealsk12.org</a:t>
             </a:r>
+            <a:endParaRPr lang="en-US"/>
           </a:p>
         </p:txBody>
       </p:sp>
@@ -2406,9 +2413,10 @@
           <a:lstStyle/>
           <a:p>
             <a:r>
-              <a:rPr lang="en-US"/>
+              <a:rPr lang="en-US" smtClean="0"/>
               <a:t>Click to edit Master title style</a:t>
             </a:r>
+            <a:endParaRPr lang="en-US"/>
           </a:p>
         </p:txBody>
       </p:sp>
@@ -2429,7 +2437,7 @@
           <a:p>
             <a:fld id="{631009B9-6DC3-0349-8BB5-CE1E5B2C68D1}" type="datetime1">
               <a:rPr lang="en-US" smtClean="0"/>
-              <a:t>2/18/2020</a:t>
+              <a:t>6/23/15</a:t>
             </a:fld>
             <a:endParaRPr lang="en-US"/>
           </a:p>
@@ -2451,9 +2459,10 @@
           <a:lstStyle/>
           <a:p>
             <a:r>
-              <a:rPr lang="en-US"/>
+              <a:rPr lang="en-US" smtClean="0"/>
               <a:t>Developed by TEALS in 2015  www.tealsk12.org</a:t>
             </a:r>
+            <a:endParaRPr lang="en-US"/>
           </a:p>
         </p:txBody>
       </p:sp>
@@ -2527,7 +2536,7 @@
           <a:p>
             <a:fld id="{DBD68779-2025-B44F-AD23-DF62F9874F1B}" type="datetime1">
               <a:rPr lang="en-US" smtClean="0"/>
-              <a:t>2/18/2020</a:t>
+              <a:t>6/23/15</a:t>
             </a:fld>
             <a:endParaRPr lang="en-US"/>
           </a:p>
@@ -2549,9 +2558,10 @@
           <a:lstStyle/>
           <a:p>
             <a:r>
-              <a:rPr lang="en-US"/>
+              <a:rPr lang="en-US" smtClean="0"/>
               <a:t>Developed by TEALS in 2015  www.tealsk12.org</a:t>
             </a:r>
+            <a:endParaRPr lang="en-US"/>
           </a:p>
         </p:txBody>
       </p:sp>
@@ -2633,9 +2643,10 @@
           </a:lstStyle>
           <a:p>
             <a:r>
-              <a:rPr lang="en-US"/>
+              <a:rPr lang="en-US" smtClean="0"/>
               <a:t>Click to edit Master title style</a:t>
             </a:r>
+            <a:endParaRPr lang="en-US"/>
           </a:p>
         </p:txBody>
       </p:sp>
@@ -2689,37 +2700,38 @@
           <a:p>
             <a:pPr lvl="0"/>
             <a:r>
-              <a:rPr lang="en-US"/>
+              <a:rPr lang="en-US" smtClean="0"/>
               <a:t>Click to edit Master text styles</a:t>
             </a:r>
           </a:p>
           <a:p>
             <a:pPr lvl="1"/>
             <a:r>
-              <a:rPr lang="en-US"/>
+              <a:rPr lang="en-US" smtClean="0"/>
               <a:t>Second level</a:t>
             </a:r>
           </a:p>
           <a:p>
             <a:pPr lvl="2"/>
             <a:r>
-              <a:rPr lang="en-US"/>
+              <a:rPr lang="en-US" smtClean="0"/>
               <a:t>Third level</a:t>
             </a:r>
           </a:p>
           <a:p>
             <a:pPr lvl="3"/>
             <a:r>
-              <a:rPr lang="en-US"/>
+              <a:rPr lang="en-US" smtClean="0"/>
               <a:t>Fourth level</a:t>
             </a:r>
           </a:p>
           <a:p>
             <a:pPr lvl="4"/>
             <a:r>
-              <a:rPr lang="en-US"/>
+              <a:rPr lang="en-US" smtClean="0"/>
               <a:t>Fifth level</a:t>
             </a:r>
+            <a:endParaRPr lang="en-US"/>
           </a:p>
         </p:txBody>
       </p:sp>
@@ -2782,7 +2794,7 @@
           <a:p>
             <a:pPr lvl="0"/>
             <a:r>
-              <a:rPr lang="en-US"/>
+              <a:rPr lang="en-US" smtClean="0"/>
               <a:t>Click to edit Master text styles</a:t>
             </a:r>
           </a:p>
@@ -2805,7 +2817,7 @@
           <a:p>
             <a:fld id="{1C533E1B-B859-DB4E-86F0-BE8C9C0ABFF7}" type="datetime1">
               <a:rPr lang="en-US" smtClean="0"/>
-              <a:t>2/18/2020</a:t>
+              <a:t>6/23/15</a:t>
             </a:fld>
             <a:endParaRPr lang="en-US"/>
           </a:p>
@@ -2827,9 +2839,10 @@
           <a:lstStyle/>
           <a:p>
             <a:r>
-              <a:rPr lang="en-US"/>
+              <a:rPr lang="en-US" smtClean="0"/>
               <a:t>Developed by TEALS in 2015  www.tealsk12.org</a:t>
             </a:r>
+            <a:endParaRPr lang="en-US"/>
           </a:p>
         </p:txBody>
       </p:sp>
@@ -2911,9 +2924,10 @@
           </a:lstStyle>
           <a:p>
             <a:r>
-              <a:rPr lang="en-US"/>
+              <a:rPr lang="en-US" smtClean="0"/>
               <a:t>Click to edit Master title style</a:t>
             </a:r>
+            <a:endParaRPr lang="en-US"/>
           </a:p>
         </p:txBody>
       </p:sp>
@@ -3037,7 +3051,7 @@
           <a:p>
             <a:pPr lvl="0"/>
             <a:r>
-              <a:rPr lang="en-US"/>
+              <a:rPr lang="en-US" smtClean="0"/>
               <a:t>Click to edit Master text styles</a:t>
             </a:r>
           </a:p>
@@ -3060,7 +3074,7 @@
           <a:p>
             <a:fld id="{AC1EAEA1-8470-6B4A-8D60-97578450ABB9}" type="datetime1">
               <a:rPr lang="en-US" smtClean="0"/>
-              <a:t>2/18/2020</a:t>
+              <a:t>6/23/15</a:t>
             </a:fld>
             <a:endParaRPr lang="en-US"/>
           </a:p>
@@ -3082,9 +3096,10 @@
           <a:lstStyle/>
           <a:p>
             <a:r>
-              <a:rPr lang="en-US"/>
+              <a:rPr lang="en-US" smtClean="0"/>
               <a:t>Developed by TEALS in 2015  www.tealsk12.org</a:t>
             </a:r>
+            <a:endParaRPr lang="en-US"/>
           </a:p>
         </p:txBody>
       </p:sp>
@@ -3172,9 +3187,10 @@
           <a:lstStyle/>
           <a:p>
             <a:r>
-              <a:rPr lang="en-US"/>
+              <a:rPr lang="en-US" smtClean="0"/>
               <a:t>Click to edit Master title style</a:t>
             </a:r>
+            <a:endParaRPr lang="en-US"/>
           </a:p>
         </p:txBody>
       </p:sp>
@@ -3205,37 +3221,38 @@
           <a:p>
             <a:pPr lvl="0"/>
             <a:r>
-              <a:rPr lang="en-US"/>
+              <a:rPr lang="en-US" smtClean="0"/>
               <a:t>Click to edit Master text styles</a:t>
             </a:r>
           </a:p>
           <a:p>
             <a:pPr lvl="1"/>
             <a:r>
-              <a:rPr lang="en-US"/>
+              <a:rPr lang="en-US" smtClean="0"/>
               <a:t>Second level</a:t>
             </a:r>
           </a:p>
           <a:p>
             <a:pPr lvl="2"/>
             <a:r>
-              <a:rPr lang="en-US"/>
+              <a:rPr lang="en-US" smtClean="0"/>
               <a:t>Third level</a:t>
             </a:r>
           </a:p>
           <a:p>
             <a:pPr lvl="3"/>
             <a:r>
-              <a:rPr lang="en-US"/>
+              <a:rPr lang="en-US" smtClean="0"/>
               <a:t>Fourth level</a:t>
             </a:r>
           </a:p>
           <a:p>
             <a:pPr lvl="4"/>
             <a:r>
-              <a:rPr lang="en-US"/>
+              <a:rPr lang="en-US" smtClean="0"/>
               <a:t>Fifth level</a:t>
             </a:r>
+            <a:endParaRPr lang="en-US"/>
           </a:p>
         </p:txBody>
       </p:sp>
@@ -3274,7 +3291,7 @@
           <a:p>
             <a:fld id="{EB2A284D-251E-7046-B0B7-6A85726BD855}" type="datetime1">
               <a:rPr lang="en-US" smtClean="0"/>
-              <a:t>2/18/2020</a:t>
+              <a:t>6/23/15</a:t>
             </a:fld>
             <a:endParaRPr lang="en-US"/>
           </a:p>
@@ -3314,9 +3331,10 @@
           </a:lstStyle>
           <a:p>
             <a:r>
-              <a:rPr lang="en-US"/>
+              <a:rPr lang="en-US" smtClean="0"/>
               <a:t>Developed by TEALS in 2015  www.tealsk12.org</a:t>
             </a:r>
+            <a:endParaRPr lang="en-US"/>
           </a:p>
         </p:txBody>
       </p:sp>
@@ -3671,17 +3689,30 @@
           <a:lstStyle/>
           <a:p>
             <a:r>
+              <a:rPr lang="en-US" b="1" dirty="0" smtClean="0"/>
+              <a:t>Lesson </a:t>
+            </a:r>
+            <a:r>
               <a:rPr lang="en-US" b="1" dirty="0"/>
-              <a:t>Lesson 7.0 </a:t>
-            </a:r>
-            <a:r>
-              <a:rPr lang="en-US" dirty="0">
+              <a:t>7</a:t>
+            </a:r>
+            <a:r>
+              <a:rPr lang="en-US" b="1" dirty="0" smtClean="0"/>
+              <a:t>.0 </a:t>
+            </a:r>
+            <a:r>
+              <a:rPr lang="en-US" dirty="0" smtClean="0">
                 <a:solidFill>
                   <a:srgbClr val="17B1AA"/>
                 </a:solidFill>
               </a:rPr>
               <a:t>Test Review and Reteach</a:t>
             </a:r>
+            <a:endParaRPr lang="en-US" dirty="0">
+              <a:solidFill>
+                <a:srgbClr val="17B1AA"/>
+              </a:solidFill>
+            </a:endParaRPr>
           </a:p>
         </p:txBody>
       </p:sp>
@@ -3710,29 +3741,38 @@
               </a:rPr>
               <a:t>Objectives </a:t>
             </a:r>
-          </a:p>
-          <a:p>
-            <a:pPr lvl="1"/>
-            <a:r>
-              <a:rPr lang="en-US" b="1" dirty="0"/>
-              <a:t>Re-learn or strengthen</a:t>
-            </a:r>
-            <a:r>
-              <a:rPr lang="en-US" dirty="0"/>
-              <a:t> content knowledge and skills from Unit 6.</a:t>
-            </a:r>
-            <a:endParaRPr lang="en-US" b="1" dirty="0"/>
-          </a:p>
-          <a:p>
-            <a:endParaRPr lang="en-US" dirty="0">
+            <a:endParaRPr lang="en-US" dirty="0" smtClean="0">
               <a:solidFill>
                 <a:srgbClr val="17B1AA"/>
               </a:solidFill>
             </a:endParaRPr>
           </a:p>
           <a:p>
-            <a:r>
-              <a:rPr lang="en-US" dirty="0">
+            <a:pPr lvl="1"/>
+            <a:r>
+              <a:rPr lang="en-US" b="1" dirty="0" smtClean="0"/>
+              <a:t>Re-learn or strengthen</a:t>
+            </a:r>
+            <a:r>
+              <a:rPr lang="en-US" dirty="0" smtClean="0"/>
+              <a:t> content knowledge and skills from Unit </a:t>
+            </a:r>
+            <a:r>
+              <a:rPr lang="en-US" dirty="0" smtClean="0"/>
+              <a:t>6.</a:t>
+            </a:r>
+            <a:endParaRPr lang="en-US" b="1" dirty="0"/>
+          </a:p>
+          <a:p>
+            <a:endParaRPr lang="en-US" dirty="0" smtClean="0">
+              <a:solidFill>
+                <a:srgbClr val="17B1AA"/>
+              </a:solidFill>
+            </a:endParaRPr>
+          </a:p>
+          <a:p>
+            <a:r>
+              <a:rPr lang="en-US" dirty="0" smtClean="0">
                 <a:solidFill>
                   <a:srgbClr val="17B1AA"/>
                 </a:solidFill>
@@ -3743,11 +3783,11 @@
           <a:p>
             <a:pPr lvl="1"/>
             <a:r>
-              <a:rPr lang="en-US" b="1" dirty="0"/>
+              <a:rPr lang="en-US" b="1" dirty="0" smtClean="0"/>
               <a:t>Re-submit</a:t>
             </a:r>
             <a:r>
-              <a:rPr lang="en-US" dirty="0"/>
+              <a:rPr lang="en-US" dirty="0" smtClean="0"/>
               <a:t> test answers with updated corrections</a:t>
             </a:r>
             <a:endParaRPr lang="en-US" b="1" dirty="0"/>
@@ -3767,26 +3807,36 @@
               </a:rPr>
               <a:t>Homework </a:t>
             </a:r>
+            <a:endParaRPr lang="en-US" dirty="0" smtClean="0">
+              <a:solidFill>
+                <a:srgbClr val="17B1AA"/>
+              </a:solidFill>
+            </a:endParaRPr>
           </a:p>
           <a:p>
             <a:pPr lvl="1"/>
             <a:r>
-              <a:rPr lang="en-US" b="1" dirty="0"/>
+              <a:rPr lang="en-US" b="1" dirty="0" smtClean="0"/>
               <a:t>Read</a:t>
             </a:r>
             <a:r>
-              <a:rPr lang="en-US" dirty="0"/>
-              <a:t> HW 13.1 up to “Sorting”</a:t>
-            </a:r>
+              <a:rPr lang="en-US" dirty="0" smtClean="0"/>
+              <a:t> HW </a:t>
+            </a:r>
+            <a:r>
+              <a:rPr lang="en-US" dirty="0" smtClean="0"/>
+              <a:t>13.1 up to “Sorting”</a:t>
+            </a:r>
+            <a:endParaRPr lang="en-US" dirty="0" smtClean="0"/>
           </a:p>
           <a:p>
             <a:pPr lvl="1"/>
             <a:r>
-              <a:rPr lang="en-US" b="1" dirty="0"/>
+              <a:rPr lang="en-US" b="1" dirty="0" smtClean="0"/>
               <a:t>Correct</a:t>
             </a:r>
             <a:r>
-              <a:rPr lang="en-US" dirty="0"/>
+              <a:rPr lang="en-US" dirty="0" smtClean="0"/>
               <a:t> any incorrect test answers by re-answering on a separate sheet of paper</a:t>
             </a:r>
             <a:endParaRPr lang="en-US" b="1" dirty="0"/>
@@ -3812,9 +3862,10 @@
           <a:lstStyle/>
           <a:p>
             <a:r>
-              <a:rPr lang="en-US"/>
+              <a:rPr lang="en-US" smtClean="0"/>
               <a:t>Developed by TEALS in 2015  www.tealsk12.org</a:t>
             </a:r>
+            <a:endParaRPr lang="en-US"/>
           </a:p>
         </p:txBody>
       </p:sp>
@@ -3866,17 +3917,26 @@
           <a:lstStyle/>
           <a:p>
             <a:r>
-              <a:rPr lang="en-US" b="1" dirty="0"/>
-              <a:t>Lesson 7.1 </a:t>
-            </a:r>
-            <a:r>
-              <a:rPr lang="en-US" dirty="0">
+              <a:rPr lang="en-US" b="1" dirty="0" smtClean="0"/>
+              <a:t>Lesson </a:t>
+            </a:r>
+            <a:r>
+              <a:rPr lang="en-US" b="1" dirty="0" smtClean="0"/>
+              <a:t>7.1 </a:t>
+            </a:r>
+            <a:r>
+              <a:rPr lang="en-US" dirty="0" smtClean="0">
                 <a:solidFill>
                   <a:srgbClr val="17B1AA"/>
                 </a:solidFill>
               </a:rPr>
               <a:t>Searching Algorithms</a:t>
             </a:r>
+            <a:endParaRPr lang="en-US" dirty="0">
+              <a:solidFill>
+                <a:srgbClr val="17B1AA"/>
+              </a:solidFill>
+            </a:endParaRPr>
           </a:p>
         </p:txBody>
       </p:sp>
@@ -3905,28 +3965,33 @@
               </a:rPr>
               <a:t>Objectives </a:t>
             </a:r>
-          </a:p>
-          <a:p>
-            <a:pPr lvl="1"/>
-            <a:r>
-              <a:rPr lang="en-US" b="1" dirty="0"/>
-              <a:t>Compare and contrast</a:t>
-            </a:r>
-            <a:r>
-              <a:rPr lang="en-US" dirty="0"/>
-              <a:t> the different search algorithms.</a:t>
-            </a:r>
-          </a:p>
-          <a:p>
-            <a:endParaRPr lang="en-US" dirty="0">
+            <a:endParaRPr lang="en-US" dirty="0" smtClean="0">
               <a:solidFill>
                 <a:srgbClr val="17B1AA"/>
               </a:solidFill>
             </a:endParaRPr>
           </a:p>
           <a:p>
-            <a:r>
-              <a:rPr lang="en-US" dirty="0">
+            <a:pPr lvl="1"/>
+            <a:r>
+              <a:rPr lang="en-US" b="1" dirty="0"/>
+              <a:t>Compare and contrast</a:t>
+            </a:r>
+            <a:r>
+              <a:rPr lang="en-US" dirty="0"/>
+              <a:t> the different search algorithms.</a:t>
+            </a:r>
+          </a:p>
+          <a:p>
+            <a:endParaRPr lang="en-US" dirty="0" smtClean="0">
+              <a:solidFill>
+                <a:srgbClr val="17B1AA"/>
+              </a:solidFill>
+            </a:endParaRPr>
+          </a:p>
+          <a:p>
+            <a:r>
+              <a:rPr lang="en-US" dirty="0" smtClean="0">
                 <a:solidFill>
                   <a:srgbClr val="17B1AA"/>
                 </a:solidFill>
@@ -3960,6 +4025,11 @@
               </a:rPr>
               <a:t>Homework </a:t>
             </a:r>
+            <a:endParaRPr lang="en-US" dirty="0" smtClean="0">
+              <a:solidFill>
+                <a:srgbClr val="17B1AA"/>
+              </a:solidFill>
+            </a:endParaRPr>
           </a:p>
           <a:p>
             <a:pPr lvl="1"/>
@@ -4004,9 +4074,10 @@
           <a:lstStyle/>
           <a:p>
             <a:r>
-              <a:rPr lang="en-US"/>
+              <a:rPr lang="en-US" smtClean="0"/>
               <a:t>Developed by TEALS in 2015  www.tealsk12.org</a:t>
             </a:r>
+            <a:endParaRPr lang="en-US"/>
           </a:p>
         </p:txBody>
       </p:sp>
@@ -4058,17 +4129,26 @@
           <a:lstStyle/>
           <a:p>
             <a:r>
-              <a:rPr lang="en-US" b="1" dirty="0"/>
-              <a:t>Lesson 7.2 </a:t>
-            </a:r>
-            <a:r>
-              <a:rPr lang="en-US" dirty="0">
+              <a:rPr lang="en-US" b="1" dirty="0" smtClean="0"/>
+              <a:t>Lesson </a:t>
+            </a:r>
+            <a:r>
+              <a:rPr lang="en-US" b="1" dirty="0" smtClean="0"/>
+              <a:t>7.2 </a:t>
+            </a:r>
+            <a:r>
+              <a:rPr lang="en-US" dirty="0" smtClean="0">
                 <a:solidFill>
                   <a:srgbClr val="17B1AA"/>
                 </a:solidFill>
               </a:rPr>
               <a:t>Sorting Algorithms</a:t>
             </a:r>
+            <a:endParaRPr lang="en-US" dirty="0">
+              <a:solidFill>
+                <a:srgbClr val="17B1AA"/>
+              </a:solidFill>
+            </a:endParaRPr>
           </a:p>
         </p:txBody>
       </p:sp>
@@ -4097,6 +4177,11 @@
               </a:rPr>
               <a:t>Objectives </a:t>
             </a:r>
+            <a:endParaRPr lang="en-US" dirty="0" smtClean="0">
+              <a:solidFill>
+                <a:srgbClr val="17B1AA"/>
+              </a:solidFill>
+            </a:endParaRPr>
           </a:p>
           <a:p>
             <a:pPr lvl="1"/>
@@ -4132,26 +4217,33 @@
               </a:rPr>
               <a:t>Assessments </a:t>
             </a:r>
+            <a:endParaRPr lang="en-US" dirty="0" smtClean="0">
+              <a:solidFill>
+                <a:srgbClr val="17B1AA"/>
+              </a:solidFill>
+            </a:endParaRPr>
           </a:p>
           <a:p>
             <a:pPr lvl="1"/>
             <a:r>
-              <a:rPr lang="en-US" b="1" dirty="0"/>
+              <a:rPr lang="en-US" b="1" dirty="0" smtClean="0"/>
               <a:t>Complete</a:t>
             </a:r>
             <a:r>
-              <a:rPr lang="en-US" dirty="0"/>
+              <a:rPr lang="en-US" dirty="0" smtClean="0"/>
               <a:t> some short answer questions on worksheets</a:t>
             </a:r>
+            <a:endParaRPr lang="en-US" dirty="0" smtClean="0"/>
           </a:p>
           <a:p>
             <a:pPr marL="457200" lvl="1" indent="0">
               <a:buNone/>
             </a:pPr>
             <a:r>
-              <a:rPr lang="en-US" dirty="0"/>
+              <a:rPr lang="en-US" dirty="0" smtClean="0"/>
               <a:t> </a:t>
             </a:r>
+            <a:endParaRPr lang="en-US" dirty="0"/>
           </a:p>
           <a:p>
             <a:r>
@@ -4162,6 +4254,11 @@
               </a:rPr>
               <a:t>Homework </a:t>
             </a:r>
+            <a:endParaRPr lang="en-US" dirty="0" smtClean="0">
+              <a:solidFill>
+                <a:srgbClr val="17B1AA"/>
+              </a:solidFill>
+            </a:endParaRPr>
           </a:p>
           <a:p>
             <a:pPr lvl="1"/>
@@ -4171,12 +4268,17 @@
             </a:r>
             <a:r>
               <a:rPr lang="en-US" dirty="0"/>
-              <a:t> HW 13.1 “Shuffling”</a:t>
-            </a:r>
-          </a:p>
-          <a:p>
+              <a:t> </a:t>
+            </a:r>
+            <a:r>
+              <a:rPr lang="en-US" dirty="0" smtClean="0"/>
+              <a:t>HW 13.1 “Shuffling”</a:t>
+            </a:r>
             <a:endParaRPr lang="en-US" dirty="0"/>
           </a:p>
+          <a:p>
+            <a:endParaRPr lang="en-US" dirty="0"/>
+          </a:p>
         </p:txBody>
       </p:sp>
       <p:sp>
@@ -4195,9 +4297,10 @@
           <a:lstStyle/>
           <a:p>
             <a:r>
-              <a:rPr lang="en-US"/>
+              <a:rPr lang="en-US" smtClean="0"/>
               <a:t>Developed by TEALS in 2015  www.tealsk12.org</a:t>
             </a:r>
+            <a:endParaRPr lang="en-US"/>
           </a:p>
         </p:txBody>
       </p:sp>
@@ -4249,17 +4352,26 @@
           <a:lstStyle/>
           <a:p>
             <a:r>
-              <a:rPr lang="en-US" b="1" dirty="0"/>
-              <a:t>Lesson 7.3 </a:t>
-            </a:r>
-            <a:r>
-              <a:rPr lang="en-US" dirty="0">
+              <a:rPr lang="en-US" b="1" dirty="0" smtClean="0"/>
+              <a:t>Lesson </a:t>
+            </a:r>
+            <a:r>
+              <a:rPr lang="en-US" b="1" dirty="0" smtClean="0"/>
+              <a:t>7.3 </a:t>
+            </a:r>
+            <a:r>
+              <a:rPr lang="en-US" dirty="0" smtClean="0">
                 <a:solidFill>
                   <a:srgbClr val="17B1AA"/>
                 </a:solidFill>
               </a:rPr>
               <a:t>Elevens Lab</a:t>
             </a:r>
+            <a:endParaRPr lang="en-US" dirty="0">
+              <a:solidFill>
+                <a:srgbClr val="17B1AA"/>
+              </a:solidFill>
+            </a:endParaRPr>
           </a:p>
         </p:txBody>
       </p:sp>
@@ -4288,28 +4400,33 @@
               </a:rPr>
               <a:t>Objectives </a:t>
             </a:r>
-          </a:p>
-          <a:p>
-            <a:pPr lvl="1"/>
-            <a:r>
-              <a:rPr lang="en-US" b="1" dirty="0"/>
-              <a:t>Complete</a:t>
-            </a:r>
-            <a:r>
-              <a:rPr lang="en-US" dirty="0"/>
-              <a:t> a long-form lab, demonstrating effective use of object-oriented program design, program implementation and analysis, and standard data structures and algorithms.</a:t>
-            </a:r>
-          </a:p>
-          <a:p>
-            <a:endParaRPr lang="en-US" dirty="0">
+            <a:endParaRPr lang="en-US" dirty="0" smtClean="0">
               <a:solidFill>
                 <a:srgbClr val="17B1AA"/>
               </a:solidFill>
             </a:endParaRPr>
           </a:p>
           <a:p>
-            <a:r>
-              <a:rPr lang="en-US" dirty="0">
+            <a:pPr lvl="1"/>
+            <a:r>
+              <a:rPr lang="en-US" b="1" dirty="0"/>
+              <a:t>Complete</a:t>
+            </a:r>
+            <a:r>
+              <a:rPr lang="en-US" dirty="0"/>
+              <a:t> a long-form lab, demonstrating effective use of object-oriented program design, program implementation and analysis, and standard data structures and algorithms.</a:t>
+            </a:r>
+          </a:p>
+          <a:p>
+            <a:endParaRPr lang="en-US" dirty="0" smtClean="0">
+              <a:solidFill>
+                <a:srgbClr val="17B1AA"/>
+              </a:solidFill>
+            </a:endParaRPr>
+          </a:p>
+          <a:p>
+            <a:r>
+              <a:rPr lang="en-US" dirty="0" smtClean="0">
                 <a:solidFill>
                   <a:srgbClr val="17B1AA"/>
                 </a:solidFill>
@@ -4325,8 +4442,13 @@
             </a:r>
             <a:r>
               <a:rPr lang="en-US" dirty="0"/>
-              <a:t> the Elevens Lab</a:t>
-            </a:r>
+              <a:t> </a:t>
+            </a:r>
+            <a:r>
+              <a:rPr lang="en-US" dirty="0" smtClean="0"/>
+              <a:t>the Elevens Lab</a:t>
+            </a:r>
+            <a:endParaRPr lang="en-US" dirty="0"/>
           </a:p>
           <a:p>
             <a:pPr marL="0" indent="0">
@@ -4343,17 +4465,23 @@
               </a:rPr>
               <a:t>Homework </a:t>
             </a:r>
+            <a:endParaRPr lang="en-US" dirty="0" smtClean="0">
+              <a:solidFill>
+                <a:srgbClr val="17B1AA"/>
+              </a:solidFill>
+            </a:endParaRPr>
           </a:p>
           <a:p>
             <a:pPr lvl="1"/>
             <a:r>
-              <a:rPr lang="en-US" b="1" dirty="0"/>
+              <a:rPr lang="en-US" b="1" dirty="0" smtClean="0"/>
               <a:t>Complete</a:t>
             </a:r>
             <a:r>
-              <a:rPr lang="en-US" dirty="0"/>
+              <a:rPr lang="en-US" dirty="0" smtClean="0"/>
               <a:t> homework assignments as outlined for the project</a:t>
             </a:r>
+            <a:endParaRPr lang="en-US" dirty="0" smtClean="0"/>
           </a:p>
           <a:p>
             <a:pPr marL="0" indent="0">
@@ -4379,9 +4507,10 @@
           <a:lstStyle/>
           <a:p>
             <a:r>
-              <a:rPr lang="en-US"/>
+              <a:rPr lang="en-US" smtClean="0"/>
               <a:t>Developed by TEALS in 2015  www.tealsk12.org</a:t>
             </a:r>
+            <a:endParaRPr lang="en-US"/>
           </a:p>
         </p:txBody>
       </p:sp>
@@ -4431,17 +4560,30 @@
           <a:lstStyle/>
           <a:p>
             <a:r>
-              <a:rPr lang="en-US" b="1" dirty="0"/>
-              <a:t>Lesson 7.4 </a:t>
-            </a:r>
-            <a:r>
-              <a:rPr lang="en-US" dirty="0">
+              <a:rPr lang="en-US" b="1" dirty="0" smtClean="0"/>
+              <a:t>Lesson </a:t>
+            </a:r>
+            <a:r>
+              <a:rPr lang="en-US" b="1" dirty="0" smtClean="0"/>
+              <a:t>7.4</a:t>
+            </a:r>
+            <a:r>
+              <a:rPr lang="en-US" b="1" dirty="0" smtClean="0"/>
+              <a:t> </a:t>
+            </a:r>
+            <a:r>
+              <a:rPr lang="en-US" dirty="0" smtClean="0">
                 <a:solidFill>
                   <a:srgbClr val="17B1AA"/>
                 </a:solidFill>
               </a:rPr>
               <a:t>Review</a:t>
             </a:r>
+            <a:endParaRPr lang="en-US" dirty="0">
+              <a:solidFill>
+                <a:srgbClr val="17B1AA"/>
+              </a:solidFill>
+            </a:endParaRPr>
           </a:p>
         </p:txBody>
       </p:sp>
@@ -4470,16 +4612,41 @@
               </a:rPr>
               <a:t>Objectives </a:t>
             </a:r>
+            <a:endParaRPr lang="en-US" dirty="0" smtClean="0">
+              <a:solidFill>
+                <a:srgbClr val="17B1AA"/>
+              </a:solidFill>
+            </a:endParaRPr>
           </a:p>
           <a:p>
             <a:pPr lvl="1"/>
             <a:r>
-              <a:rPr lang="en-US" b="1" dirty="0"/>
+              <a:rPr lang="en-US" b="1" dirty="0" smtClean="0"/>
               <a:t>Identify</a:t>
             </a:r>
             <a:r>
+              <a:rPr lang="en-US" dirty="0" smtClean="0"/>
+              <a:t> </a:t>
+            </a:r>
+            <a:r>
               <a:rPr lang="en-US" dirty="0"/>
-              <a:t> weaknesses in Unit 6 knowledge.</a:t>
+              <a:t>weaknesses in </a:t>
+            </a:r>
+            <a:r>
+              <a:rPr lang="en-US" dirty="0" smtClean="0"/>
+              <a:t>Unit </a:t>
+            </a:r>
+            <a:r>
+              <a:rPr lang="en-US" dirty="0"/>
+              <a:t>6</a:t>
+            </a:r>
+            <a:r>
+              <a:rPr lang="en-US" dirty="0" smtClean="0"/>
+              <a:t> </a:t>
+            </a:r>
+            <a:r>
+              <a:rPr lang="en-US" dirty="0"/>
+              <a:t>knowledge.</a:t>
             </a:r>
           </a:p>
           <a:p>
@@ -4497,16 +4664,25 @@
               </a:rPr>
               <a:t>Assessments </a:t>
             </a:r>
+            <a:endParaRPr lang="en-US" dirty="0" smtClean="0">
+              <a:solidFill>
+                <a:srgbClr val="17B1AA"/>
+              </a:solidFill>
+            </a:endParaRPr>
           </a:p>
           <a:p>
             <a:pPr lvl="1"/>
             <a:r>
-              <a:rPr lang="en-US" b="1" dirty="0"/>
+              <a:rPr lang="en-US" b="1" dirty="0" smtClean="0"/>
               <a:t>Create</a:t>
             </a:r>
             <a:r>
+              <a:rPr lang="en-US" dirty="0" smtClean="0"/>
+              <a:t> </a:t>
+            </a:r>
+            <a:r>
               <a:rPr lang="en-US" dirty="0"/>
-              <a:t> a personalized list of review topics to guide tonight’s study session.</a:t>
+              <a:t>a personalized list of review topics to guide tonight’s study session.</a:t>
             </a:r>
           </a:p>
           <a:p>
@@ -4524,21 +4700,35 @@
               </a:rPr>
               <a:t>Homework </a:t>
             </a:r>
+            <a:endParaRPr lang="en-US" dirty="0" smtClean="0">
+              <a:solidFill>
+                <a:srgbClr val="17B1AA"/>
+              </a:solidFill>
+            </a:endParaRPr>
           </a:p>
           <a:p>
             <a:pPr lvl="1"/>
             <a:r>
-              <a:rPr lang="en-US" b="1" dirty="0"/>
+              <a:rPr lang="en-US" b="1" dirty="0" smtClean="0"/>
               <a:t>Study</a:t>
             </a:r>
             <a:r>
+              <a:rPr lang="en-US" dirty="0" smtClean="0"/>
+              <a:t> </a:t>
+            </a:r>
+            <a:r>
               <a:rPr lang="en-US" dirty="0"/>
-              <a:t> for tomorrow’s test using targeted review list</a:t>
-            </a:r>
-          </a:p>
-          <a:p>
+              <a:t>for tomorrow’s </a:t>
+            </a:r>
+            <a:r>
+              <a:rPr lang="en-US" dirty="0" smtClean="0"/>
+              <a:t>test using targeted review list</a:t>
+            </a:r>
             <a:endParaRPr lang="en-US" dirty="0"/>
           </a:p>
+          <a:p>
+            <a:endParaRPr lang="en-US" dirty="0"/>
+          </a:p>
         </p:txBody>
       </p:sp>
       <p:sp>
@@ -4557,9 +4747,10 @@
           <a:lstStyle/>
           <a:p>
             <a:r>
-              <a:rPr lang="en-US"/>
+              <a:rPr lang="en-US" smtClean="0"/>
               <a:t>Developed by TEALS in 2015  www.tealsk12.org</a:t>
             </a:r>
+            <a:endParaRPr lang="en-US"/>
           </a:p>
         </p:txBody>
       </p:sp>
@@ -5537,27 +5728,28 @@
 </file>
 
 <file path=customXml/item1.xml><?xml version="1.0" encoding="utf-8"?>
-<?mso-contentType ?>
-<FormTemplates xmlns="http://schemas.microsoft.com/sharepoint/v3/contenttype/forms">
-  <Display>DocumentLibraryForm</Display>
-  <Edit>DocumentLibraryForm</Edit>
-  <New>DocumentLibraryForm</New>
-</FormTemplates>
-</file>
-
-<file path=customXml/item2.xml><?xml version="1.0" encoding="utf-8"?>
-<ct:contentTypeSchema xmlns:ct="http://schemas.microsoft.com/office/2006/metadata/contentType" xmlns:ma="http://schemas.microsoft.com/office/2006/metadata/properties/metaAttributes" ct:_="" ma:_="" ma:contentTypeName="Document" ma:contentTypeID="0x010100BABADD3A0624AA4E97287821B8F4D7D6" ma:contentTypeVersion="3" ma:contentTypeDescription="Create a new document." ma:contentTypeScope="" ma:versionID="e0073545f5cddffb46c9fa8d01738dd8">
-  <xsd:schema xmlns:xsd="http://www.w3.org/2001/XMLSchema" xmlns:xs="http://www.w3.org/2001/XMLSchema" xmlns:p="http://schemas.microsoft.com/office/2006/metadata/properties" xmlns:ns2="5edd459b-714d-42ed-b78f-512da7d1c14e" targetNamespace="http://schemas.microsoft.com/office/2006/metadata/properties" ma:root="true" ma:fieldsID="5b223eadad92f795ae696ccb91d8f218" ns2:_="">
-    <xsd:import namespace="5edd459b-714d-42ed-b78f-512da7d1c14e"/>
+<ct:contentTypeSchema xmlns:ct="http://schemas.microsoft.com/office/2006/metadata/contentType" xmlns:ma="http://schemas.microsoft.com/office/2006/metadata/properties/metaAttributes" ct:_="" ma:_="" ma:contentTypeName="Document" ma:contentTypeID="0x01010011E83E049C87AC4AB56F27089B4ACA55" ma:contentTypeVersion="12" ma:contentTypeDescription="Create a new document." ma:contentTypeScope="" ma:versionID="1178fe99ddca204d3fc8224f4ed0acf8">
+  <xsd:schema xmlns:xsd="http://www.w3.org/2001/XMLSchema" xmlns:xs="http://www.w3.org/2001/XMLSchema" xmlns:p="http://schemas.microsoft.com/office/2006/metadata/properties" xmlns:ns2="be898649-fe57-4b08-9fd4-31fc752880e3" xmlns:ns3="6f430b7c-f2e9-4385-9cb2-4dd06cc2317e" targetNamespace="http://schemas.microsoft.com/office/2006/metadata/properties" ma:root="true" ma:fieldsID="05a700af6660b82c6e85ae510b7169e9" ns2:_="" ns3:_="">
+    <xsd:import namespace="be898649-fe57-4b08-9fd4-31fc752880e3"/>
+    <xsd:import namespace="6f430b7c-f2e9-4385-9cb2-4dd06cc2317e"/>
     <xsd:element name="properties">
       <xsd:complexType>
         <xsd:sequence>
           <xsd:element name="documentManagement">
             <xsd:complexType>
               <xsd:all>
-                <xsd:element ref="ns2:SharedWithUsers" minOccurs="0"/>
-                <xsd:element ref="ns2:SharedWithDetails" minOccurs="0"/>
-                <xsd:element ref="ns2:SharingHintHash" minOccurs="0"/>
+                <xsd:element ref="ns2:MediaServiceMetadata" minOccurs="0"/>
+                <xsd:element ref="ns2:MediaServiceFastMetadata" minOccurs="0"/>
+                <xsd:element ref="ns2:MediaServiceAutoTags" minOccurs="0"/>
+                <xsd:element ref="ns2:MediaServiceDateTaken" minOccurs="0"/>
+                <xsd:element ref="ns3:SharedWithUsers" minOccurs="0"/>
+                <xsd:element ref="ns3:SharedWithDetails" minOccurs="0"/>
+                <xsd:element ref="ns2:MediaServiceLocation" minOccurs="0"/>
+                <xsd:element ref="ns2:MediaServiceOCR" minOccurs="0"/>
+                <xsd:element ref="ns2:MediaServiceEventHashCode" minOccurs="0"/>
+                <xsd:element ref="ns2:MediaServiceGenerationTime" minOccurs="0"/>
+                <xsd:element ref="ns2:MediaServiceAutoKeyPoints" minOccurs="0"/>
+                <xsd:element ref="ns2:MediaServiceKeyPoints" minOccurs="0"/>
               </xsd:all>
             </xsd:complexType>
           </xsd:element>
@@ -5565,10 +5757,68 @@
       </xsd:complexType>
     </xsd:element>
   </xsd:schema>
-  <xsd:schema xmlns:xsd="http://www.w3.org/2001/XMLSchema" xmlns:xs="http://www.w3.org/2001/XMLSchema" xmlns:dms="http://schemas.microsoft.com/office/2006/documentManagement/types" xmlns:pc="http://schemas.microsoft.com/office/infopath/2007/PartnerControls" targetNamespace="5edd459b-714d-42ed-b78f-512da7d1c14e" elementFormDefault="qualified">
+  <xsd:schema xmlns:xsd="http://www.w3.org/2001/XMLSchema" xmlns:xs="http://www.w3.org/2001/XMLSchema" xmlns:dms="http://schemas.microsoft.com/office/2006/documentManagement/types" xmlns:pc="http://schemas.microsoft.com/office/infopath/2007/PartnerControls" targetNamespace="be898649-fe57-4b08-9fd4-31fc752880e3" elementFormDefault="qualified">
     <xsd:import namespace="http://schemas.microsoft.com/office/2006/documentManagement/types"/>
     <xsd:import namespace="http://schemas.microsoft.com/office/infopath/2007/PartnerControls"/>
-    <xsd:element name="SharedWithUsers" ma:index="8" nillable="true" ma:displayName="Shared With" ma:internalName="SharedWithUsers" ma:readOnly="true">
+    <xsd:element name="MediaServiceMetadata" ma:index="8" nillable="true" ma:displayName="MediaServiceMetadata" ma:description="" ma:hidden="true" ma:internalName="MediaServiceMetadata" ma:readOnly="true">
+      <xsd:simpleType>
+        <xsd:restriction base="dms:Note"/>
+      </xsd:simpleType>
+    </xsd:element>
+    <xsd:element name="MediaServiceFastMetadata" ma:index="9" nillable="true" ma:displayName="MediaServiceFastMetadata" ma:description="" ma:hidden="true" ma:internalName="MediaServiceFastMetadata" ma:readOnly="true">
+      <xsd:simpleType>
+        <xsd:restriction base="dms:Note"/>
+      </xsd:simpleType>
+    </xsd:element>
+    <xsd:element name="MediaServiceAutoTags" ma:index="10" nillable="true" ma:displayName="MediaServiceAutoTags" ma:description="" ma:internalName="MediaServiceAutoTags" ma:readOnly="true">
+      <xsd:simpleType>
+        <xsd:restriction base="dms:Text"/>
+      </xsd:simpleType>
+    </xsd:element>
+    <xsd:element name="MediaServiceDateTaken" ma:index="11" nillable="true" ma:displayName="MediaServiceDateTaken" ma:description="" ma:hidden="true" ma:internalName="MediaServiceDateTaken" ma:readOnly="true">
+      <xsd:simpleType>
+        <xsd:restriction base="dms:Text"/>
+      </xsd:simpleType>
+    </xsd:element>
+    <xsd:element name="MediaServiceLocation" ma:index="14" nillable="true" ma:displayName="MediaServiceLocation" ma:internalName="MediaServiceLocation" ma:readOnly="true">
+      <xsd:simpleType>
+        <xsd:restriction base="dms:Text"/>
+      </xsd:simpleType>
+    </xsd:element>
+    <xsd:element name="MediaServiceOCR" ma:index="15" nillable="true" ma:displayName="MediaServiceOCR" ma:internalName="MediaServiceOCR" ma:readOnly="true">
+      <xsd:simpleType>
+        <xsd:restriction base="dms:Note">
+          <xsd:maxLength value="255"/>
+        </xsd:restriction>
+      </xsd:simpleType>
+    </xsd:element>
+    <xsd:element name="MediaServiceEventHashCode" ma:index="16" nillable="true" ma:displayName="MediaServiceEventHashCode" ma:hidden="true" ma:internalName="MediaServiceEventHashCode" ma:readOnly="true">
+      <xsd:simpleType>
+        <xsd:restriction base="dms:Text"/>
+      </xsd:simpleType>
+    </xsd:element>
+    <xsd:element name="MediaServiceGenerationTime" ma:index="17" nillable="true" ma:displayName="MediaServiceGenerationTime" ma:hidden="true" ma:internalName="MediaServiceGenerationTime" ma:readOnly="true">
+      <xsd:simpleType>
+        <xsd:restriction base="dms:Text"/>
+      </xsd:simpleType>
+    </xsd:element>
+    <xsd:element name="MediaServiceAutoKeyPoints" ma:index="18" nillable="true" ma:displayName="MediaServiceAutoKeyPoints" ma:hidden="true" ma:internalName="MediaServiceAutoKeyPoints" ma:readOnly="true">
+      <xsd:simpleType>
+        <xsd:restriction base="dms:Note"/>
+      </xsd:simpleType>
+    </xsd:element>
+    <xsd:element name="MediaServiceKeyPoints" ma:index="19" nillable="true" ma:displayName="KeyPoints" ma:internalName="MediaServiceKeyPoints" ma:readOnly="true">
+      <xsd:simpleType>
+        <xsd:restriction base="dms:Note">
+          <xsd:maxLength value="255"/>
+        </xsd:restriction>
+      </xsd:simpleType>
+    </xsd:element>
+  </xsd:schema>
+  <xsd:schema xmlns:xsd="http://www.w3.org/2001/XMLSchema" xmlns:xs="http://www.w3.org/2001/XMLSchema" xmlns:dms="http://schemas.microsoft.com/office/2006/documentManagement/types" xmlns:pc="http://schemas.microsoft.com/office/infopath/2007/PartnerControls" targetNamespace="6f430b7c-f2e9-4385-9cb2-4dd06cc2317e" elementFormDefault="qualified">
+    <xsd:import namespace="http://schemas.microsoft.com/office/2006/documentManagement/types"/>
+    <xsd:import namespace="http://schemas.microsoft.com/office/infopath/2007/PartnerControls"/>
+    <xsd:element name="SharedWithUsers" ma:index="12" nillable="true" ma:displayName="Shared With" ma:internalName="SharedWithUsers" ma:readOnly="true">
       <xsd:complexType>
         <xsd:complexContent>
           <xsd:extension base="dms:UserMulti">
@@ -5587,16 +5837,11 @@
         </xsd:complexContent>
       </xsd:complexType>
     </xsd:element>
-    <xsd:element name="SharedWithDetails" ma:index="9" nillable="true" ma:displayName="Shared With Details" ma:internalName="SharedWithDetails" ma:readOnly="true">
+    <xsd:element name="SharedWithDetails" ma:index="13" nillable="true" ma:displayName="Shared With Details" ma:internalName="SharedWithDetails" ma:readOnly="true">
       <xsd:simpleType>
         <xsd:restriction base="dms:Note">
           <xsd:maxLength value="255"/>
         </xsd:restriction>
-      </xsd:simpleType>
-    </xsd:element>
-    <xsd:element name="SharingHintHash" ma:index="10" nillable="true" ma:displayName="Sharing Hint Hash" ma:internalName="SharingHintHash" ma:readOnly="true">
-      <xsd:simpleType>
-        <xsd:restriction base="dms:Text"/>
       </xsd:simpleType>
     </xsd:element>
   </xsd:schema>
@@ -5699,6 +5944,15 @@
 </ct:contentTypeSchema>
 </file>
 
+<file path=customXml/item2.xml><?xml version="1.0" encoding="utf-8"?>
+<?mso-contentType ?>
+<FormTemplates xmlns="http://schemas.microsoft.com/sharepoint/v3/contenttype/forms">
+  <Display>DocumentLibraryForm</Display>
+  <Edit>DocumentLibraryForm</Edit>
+  <New>DocumentLibraryForm</New>
+</FormTemplates>
+</file>
+
 <file path=customXml/item3.xml><?xml version="1.0" encoding="utf-8"?>
 <p:properties xmlns:p="http://schemas.microsoft.com/office/2006/metadata/properties" xmlns:xsi="http://www.w3.org/2001/XMLSchema-instance" xmlns:pc="http://schemas.microsoft.com/office/infopath/2007/PartnerControls">
   <documentManagement/>
@@ -5706,36 +5960,13 @@
 </file>
 
 <file path=customXml/itemProps1.xml><?xml version="1.0" encoding="utf-8"?>
-<ds:datastoreItem xmlns:ds="http://schemas.openxmlformats.org/officeDocument/2006/customXml" ds:itemID="{5BCDBC7D-4B77-44DF-912F-A60B48A46857}">
-  <ds:schemaRefs>
-    <ds:schemaRef ds:uri="http://schemas.microsoft.com/sharepoint/v3/contenttype/forms"/>
-  </ds:schemaRefs>
-</ds:datastoreItem>
+<ds:datastoreItem xmlns:ds="http://schemas.openxmlformats.org/officeDocument/2006/customXml" ds:itemID="{C3050C7D-69EB-412F-82F7-AE5399AD3E39}"/>
 </file>
 
 <file path=customXml/itemProps2.xml><?xml version="1.0" encoding="utf-8"?>
-<ds:datastoreItem xmlns:ds="http://schemas.openxmlformats.org/officeDocument/2006/customXml" ds:itemID="{8C1703B9-1684-40C7-A727-96C5FE4519B7}">
-  <ds:schemaRefs>
-    <ds:schemaRef ds:uri="http://schemas.microsoft.com/office/2006/metadata/contentType"/>
-    <ds:schemaRef ds:uri="http://schemas.microsoft.com/office/2006/metadata/properties/metaAttributes"/>
-    <ds:schemaRef ds:uri="http://www.w3.org/2001/XMLSchema"/>
-    <ds:schemaRef ds:uri="http://schemas.microsoft.com/office/2006/metadata/properties"/>
-    <ds:schemaRef ds:uri="5edd459b-714d-42ed-b78f-512da7d1c14e"/>
-    <ds:schemaRef ds:uri="http://schemas.microsoft.com/office/2006/documentManagement/types"/>
-    <ds:schemaRef ds:uri="http://schemas.microsoft.com/office/infopath/2007/PartnerControls"/>
-    <ds:schemaRef ds:uri="http://schemas.openxmlformats.org/package/2006/metadata/core-properties"/>
-    <ds:schemaRef ds:uri="http://purl.org/dc/elements/1.1/"/>
-    <ds:schemaRef ds:uri="http://purl.org/dc/terms/"/>
-    <ds:schemaRef ds:uri="http://schemas.microsoft.com/internal/obd"/>
-  </ds:schemaRefs>
-</ds:datastoreItem>
+<ds:datastoreItem xmlns:ds="http://schemas.openxmlformats.org/officeDocument/2006/customXml" ds:itemID="{5BCDBC7D-4B77-44DF-912F-A60B48A46857}"/>
 </file>
 
 <file path=customXml/itemProps3.xml><?xml version="1.0" encoding="utf-8"?>
-<ds:datastoreItem xmlns:ds="http://schemas.openxmlformats.org/officeDocument/2006/customXml" ds:itemID="{769E4806-154B-4802-887E-1B49F0BFB80F}">
-  <ds:schemaRefs>
-    <ds:schemaRef ds:uri="http://schemas.microsoft.com/office/2006/metadata/properties"/>
-    <ds:schemaRef ds:uri="http://schemas.microsoft.com/office/infopath/2007/PartnerControls"/>
-  </ds:schemaRefs>
-</ds:datastoreItem>
+<ds:datastoreItem xmlns:ds="http://schemas.openxmlformats.org/officeDocument/2006/customXml" ds:itemID="{769E4806-154B-4802-887E-1B49F0BFB80F}"/>
 </file>